--- a/miscellaneous/presentations/20200819_buildacell.pptx
+++ b/miscellaneous/presentations/20200819_buildacell.pptx
@@ -18,16 +18,16 @@
     <p:sldId id="273" r:id="rId9"/>
     <p:sldId id="267" r:id="rId10"/>
     <p:sldId id="279" r:id="rId11"/>
-    <p:sldId id="263" r:id="rId12"/>
-    <p:sldId id="331" r:id="rId13"/>
-    <p:sldId id="283" r:id="rId14"/>
-    <p:sldId id="320" r:id="rId15"/>
-    <p:sldId id="321" r:id="rId16"/>
-    <p:sldId id="262" r:id="rId17"/>
-    <p:sldId id="327" r:id="rId18"/>
-    <p:sldId id="329" r:id="rId19"/>
-    <p:sldId id="264" r:id="rId20"/>
-    <p:sldId id="278" r:id="rId21"/>
+    <p:sldId id="262" r:id="rId12"/>
+    <p:sldId id="278" r:id="rId13"/>
+    <p:sldId id="263" r:id="rId14"/>
+    <p:sldId id="331" r:id="rId15"/>
+    <p:sldId id="283" r:id="rId16"/>
+    <p:sldId id="320" r:id="rId17"/>
+    <p:sldId id="321" r:id="rId18"/>
+    <p:sldId id="327" r:id="rId19"/>
+    <p:sldId id="329" r:id="rId20"/>
+    <p:sldId id="264" r:id="rId21"/>
     <p:sldId id="272" r:id="rId22"/>
     <p:sldId id="260" r:id="rId23"/>
     <p:sldId id="275" r:id="rId24"/>
@@ -3354,7 +3354,7 @@
           <a:p>
             <a:fld id="{15807AF6-FE89-B241-BD21-E9B2C3AA3938}" type="datetimeFigureOut">
               <a:rPr lang="en-US" smtClean="0"/>
-              <a:t>8/19/20</a:t>
+              <a:t>8/20/20</a:t>
             </a:fld>
             <a:endParaRPr lang="en-US"/>
           </a:p>
@@ -3751,13 +3751,49 @@
           <a:p>
             <a:r>
               <a:rPr lang="en-US" dirty="0"/>
-              <a:t>Full model has all reaction rate parameters</a:t>
-            </a:r>
-          </a:p>
-          <a:p>
+              <a:t>I also see that increasing the initial free phosphate concentration can increase the amount of </a:t>
+            </a:r>
+            <a:r>
+              <a:rPr lang="en-US" dirty="0" err="1"/>
+              <a:t>atp</a:t>
+            </a:r>
             <a:r>
               <a:rPr lang="en-US" dirty="0"/>
-              <a:t>This makes sense – I’ve optimized the full model, but how can I come up with some biological relevance</a:t>
+              <a:t> produced without affecting the </a:t>
+            </a:r>
+            <a:r>
+              <a:rPr lang="en-US" dirty="0" err="1"/>
+              <a:t>atp_only</a:t>
+            </a:r>
+            <a:r>
+              <a:rPr lang="en-US" dirty="0"/>
+              <a:t> curve.</a:t>
+            </a:r>
+          </a:p>
+          <a:p>
+            <a:endParaRPr lang="en-US" dirty="0"/>
+          </a:p>
+          <a:p>
+            <a:r>
+              <a:rPr lang="en-US" dirty="0"/>
+              <a:t>In the context of simulations, this is relatively positive since we do indeed see that we can get extended </a:t>
+            </a:r>
+            <a:r>
+              <a:rPr lang="en-US" dirty="0" err="1"/>
+              <a:t>atp</a:t>
+            </a:r>
+            <a:r>
+              <a:rPr lang="en-US" dirty="0"/>
+              <a:t> lifetime, up to about 40 hours. However, the parameter estimates and assumptions we have made may be a bit concerning. NEXT</a:t>
+            </a:r>
+          </a:p>
+          <a:p>
+            <a:endParaRPr lang="en-US" dirty="0"/>
+          </a:p>
+          <a:p>
+            <a:r>
+              <a:rPr lang="en-US" dirty="0"/>
+              <a:t>Going forward, we will be using the parameters shown on the bottom plot, unless otherwise stated</a:t>
             </a:r>
           </a:p>
         </p:txBody>
@@ -3777,7 +3813,7 @@
           <a:bodyPr/>
           <a:lstStyle/>
           <a:p>
-            <a:fld id="{D9FD8077-37EE-C24A-9ACB-6703441F4D97}" type="slidenum">
+            <a:fld id="{161F772B-7887-4843-AC26-B1485BC4B64A}" type="slidenum">
               <a:rPr lang="en-US" smtClean="0"/>
               <a:t>17</a:t>
             </a:fld>
@@ -3788,7 +3824,7 @@
     </p:spTree>
     <p:extLst>
       <p:ext uri="{BB962C8B-B14F-4D97-AF65-F5344CB8AC3E}">
-        <p14:creationId xmlns:p14="http://schemas.microsoft.com/office/powerpoint/2010/main" val="2656109482"/>
+        <p14:creationId xmlns:p14="http://schemas.microsoft.com/office/powerpoint/2010/main" val="3006947055"/>
       </p:ext>
     </p:extLst>
   </p:cSld>
@@ -3844,118 +3880,13 @@
           <a:p>
             <a:r>
               <a:rPr lang="en-US" dirty="0"/>
-              <a:t>Seems like all the models reach the appropriate steady state value</a:t>
+              <a:t>Full model has all reaction rate parameters</a:t>
             </a:r>
           </a:p>
           <a:p>
             <a:r>
               <a:rPr lang="en-US" dirty="0"/>
-              <a:t>Concerns include the sacrificed dynamics. Not sure why </a:t>
-            </a:r>
-            <a:r>
-              <a:rPr lang="en-US" dirty="0" err="1"/>
-              <a:t>remov</a:t>
-            </a:r>
-            <a:r>
-              <a:rPr lang="en-US" dirty="0"/>
-              <a:t> </a:t>
-            </a:r>
-            <a:r>
-              <a:rPr lang="en-US" dirty="0" err="1"/>
-              <a:t>ing</a:t>
-            </a:r>
-            <a:r>
-              <a:rPr lang="en-US" dirty="0"/>
-              <a:t> all complexes quickens all the dynamics and why removing ½ complexes seems to only delay </a:t>
-            </a:r>
-            <a:r>
-              <a:rPr lang="en-US" dirty="0" err="1"/>
-              <a:t>atp</a:t>
-            </a:r>
-            <a:r>
-              <a:rPr lang="en-US" dirty="0"/>
-              <a:t> dynamics. </a:t>
-            </a:r>
-          </a:p>
-          <a:p>
-            <a:r>
-              <a:rPr lang="en-US" dirty="0"/>
-              <a:t>Have to find a compromise between having curves close to the full model but also reducing the amount of species and corresponding parameters required</a:t>
-            </a:r>
-          </a:p>
-          <a:p>
-            <a:endParaRPr lang="en-US" dirty="0"/>
-          </a:p>
-          <a:p>
-            <a:r>
-              <a:rPr lang="en-US" dirty="0"/>
-              <a:t>Maybe look at redmod1, has a lot less parameters, adjust parameters to see desired dynamics, kind of like having different mechanism in biocrnpyler</a:t>
-            </a:r>
-          </a:p>
-          <a:p>
-            <a:endParaRPr lang="en-US" dirty="0"/>
-          </a:p>
-          <a:p>
-            <a:r>
-              <a:rPr lang="en-US" dirty="0"/>
-              <a:t>Benefits: lumped parameters in reduced models, lower num of params to analyze system with. Helps with parameter identification. Without data, a reduced model may be closer to phenomenological model so you can conclude things about model in easier manner because you only have the species that you care about</a:t>
-            </a:r>
-          </a:p>
-          <a:p>
-            <a:r>
-              <a:rPr lang="en-US" dirty="0"/>
-              <a:t>Param sweeps and simulations with a red model would be more about how outputs are affected by inputs </a:t>
-            </a:r>
-            <a:r>
-              <a:rPr lang="en-US" dirty="0" err="1"/>
-              <a:t>bc</a:t>
-            </a:r>
-            <a:r>
-              <a:rPr lang="en-US" dirty="0"/>
-              <a:t> you get rid of other states so could guide design choices</a:t>
-            </a:r>
-          </a:p>
-          <a:p>
-            <a:r>
-              <a:rPr lang="en-US" dirty="0"/>
-              <a:t>Get a better understanding of what really matters from a physical point of view – is it that a particular metabolite affects dynamics or some other species </a:t>
-            </a:r>
-            <a:r>
-              <a:rPr lang="en-US" dirty="0" err="1"/>
-              <a:t>etc</a:t>
-            </a:r>
-            <a:r>
-              <a:rPr lang="en-US" dirty="0"/>
-              <a:t> – can be helpful information</a:t>
-            </a:r>
-          </a:p>
-          <a:p>
-            <a:r>
-              <a:rPr lang="en-US" dirty="0"/>
-              <a:t> </a:t>
-            </a:r>
-          </a:p>
-          <a:p>
-            <a:r>
-              <a:rPr lang="en-US" dirty="0"/>
-              <a:t>Am hoping that if more experiments are done with this system, parameters can be extracted and inserted into one of these reduced models compared to the full </a:t>
-            </a:r>
-            <a:r>
-              <a:rPr lang="en-US" dirty="0" err="1"/>
-              <a:t>massaction</a:t>
-            </a:r>
-            <a:r>
-              <a:rPr lang="en-US" dirty="0"/>
-              <a:t> model . </a:t>
-            </a:r>
-          </a:p>
-          <a:p>
-            <a:endParaRPr lang="en-US" dirty="0"/>
-          </a:p>
-          <a:p>
-            <a:r>
-              <a:rPr lang="en-US" dirty="0"/>
-              <a:t>Easier to work with more generalized dynamics.</a:t>
+              <a:t>This makes sense – I’ve optimized the full model, but how can I come up with some biological relevance</a:t>
             </a:r>
           </a:p>
         </p:txBody>
@@ -3975,9 +3906,9 @@
           <a:bodyPr/>
           <a:lstStyle/>
           <a:p>
-            <a:fld id="{67F42522-F24A-B14B-BB2C-B26443761E53}" type="slidenum">
+            <a:fld id="{D9FD8077-37EE-C24A-9ACB-6703441F4D97}" type="slidenum">
               <a:rPr lang="en-US" smtClean="0"/>
-              <a:t>19</a:t>
+              <a:t>18</a:t>
             </a:fld>
             <a:endParaRPr lang="en-US"/>
           </a:p>
@@ -3986,7 +3917,7 @@
     </p:spTree>
     <p:extLst>
       <p:ext uri="{BB962C8B-B14F-4D97-AF65-F5344CB8AC3E}">
-        <p14:creationId xmlns:p14="http://schemas.microsoft.com/office/powerpoint/2010/main" val="1606288964"/>
+        <p14:creationId xmlns:p14="http://schemas.microsoft.com/office/powerpoint/2010/main" val="2656109482"/>
       </p:ext>
     </p:extLst>
   </p:cSld>
@@ -4040,7 +3971,121 @@
           <a:bodyPr/>
           <a:lstStyle/>
           <a:p>
+            <a:r>
+              <a:rPr lang="en-US" dirty="0"/>
+              <a:t>Seems like all the models reach the appropriate steady state value</a:t>
+            </a:r>
+          </a:p>
+          <a:p>
+            <a:r>
+              <a:rPr lang="en-US" dirty="0"/>
+              <a:t>Concerns include the sacrificed dynamics. Not sure why </a:t>
+            </a:r>
+            <a:r>
+              <a:rPr lang="en-US" dirty="0" err="1"/>
+              <a:t>remov</a:t>
+            </a:r>
+            <a:r>
+              <a:rPr lang="en-US" dirty="0"/>
+              <a:t> </a:t>
+            </a:r>
+            <a:r>
+              <a:rPr lang="en-US" dirty="0" err="1"/>
+              <a:t>ing</a:t>
+            </a:r>
+            <a:r>
+              <a:rPr lang="en-US" dirty="0"/>
+              <a:t> all complexes quickens all the dynamics and why removing ½ complexes seems to only delay </a:t>
+            </a:r>
+            <a:r>
+              <a:rPr lang="en-US" dirty="0" err="1"/>
+              <a:t>atp</a:t>
+            </a:r>
+            <a:r>
+              <a:rPr lang="en-US" dirty="0"/>
+              <a:t> dynamics. </a:t>
+            </a:r>
+          </a:p>
+          <a:p>
+            <a:r>
+              <a:rPr lang="en-US" dirty="0"/>
+              <a:t>Have to find a compromise between having curves close to the full model but also reducing the amount of species and corresponding parameters required</a:t>
+            </a:r>
+          </a:p>
+          <a:p>
             <a:endParaRPr lang="en-US" dirty="0"/>
+          </a:p>
+          <a:p>
+            <a:r>
+              <a:rPr lang="en-US" dirty="0"/>
+              <a:t>Maybe look at redmod1, has a lot less parameters, adjust parameters to see desired dynamics, kind of like having different mechanism in biocrnpyler</a:t>
+            </a:r>
+          </a:p>
+          <a:p>
+            <a:endParaRPr lang="en-US" dirty="0"/>
+          </a:p>
+          <a:p>
+            <a:r>
+              <a:rPr lang="en-US" dirty="0"/>
+              <a:t>Benefits: lumped parameters in reduced models, lower num of params to analyze system with. Helps with parameter identification. Without data, a reduced model may be closer to phenomenological model so you can conclude things about model in easier manner because you only have the species that you care about</a:t>
+            </a:r>
+          </a:p>
+          <a:p>
+            <a:r>
+              <a:rPr lang="en-US" dirty="0"/>
+              <a:t>Param sweeps and simulations with a red model would be more about how outputs are affected by inputs </a:t>
+            </a:r>
+            <a:r>
+              <a:rPr lang="en-US" dirty="0" err="1"/>
+              <a:t>bc</a:t>
+            </a:r>
+            <a:r>
+              <a:rPr lang="en-US" dirty="0"/>
+              <a:t> you get rid of other states so could guide design choices</a:t>
+            </a:r>
+          </a:p>
+          <a:p>
+            <a:r>
+              <a:rPr lang="en-US" dirty="0"/>
+              <a:t>Get a better understanding of what really matters from a physical point of view – is it that a particular metabolite affects dynamics or some other species </a:t>
+            </a:r>
+            <a:r>
+              <a:rPr lang="en-US" dirty="0" err="1"/>
+              <a:t>etc</a:t>
+            </a:r>
+            <a:r>
+              <a:rPr lang="en-US" dirty="0"/>
+              <a:t> – can be helpful information</a:t>
+            </a:r>
+          </a:p>
+          <a:p>
+            <a:r>
+              <a:rPr lang="en-US" dirty="0"/>
+              <a:t> </a:t>
+            </a:r>
+          </a:p>
+          <a:p>
+            <a:r>
+              <a:rPr lang="en-US" dirty="0"/>
+              <a:t>Am hoping that if more experiments are done with this system, parameters can be extracted and inserted into one of these reduced models compared to the full </a:t>
+            </a:r>
+            <a:r>
+              <a:rPr lang="en-US" dirty="0" err="1"/>
+              <a:t>massaction</a:t>
+            </a:r>
+            <a:r>
+              <a:rPr lang="en-US" dirty="0"/>
+              <a:t> model . </a:t>
+            </a:r>
+          </a:p>
+          <a:p>
+            <a:endParaRPr lang="en-US" dirty="0"/>
+          </a:p>
+          <a:p>
+            <a:r>
+              <a:rPr lang="en-US" dirty="0"/>
+              <a:t>Easier to work with more generalized dynamics.</a:t>
+            </a:r>
           </a:p>
         </p:txBody>
       </p:sp>
@@ -4059,7 +4104,7 @@
           <a:bodyPr/>
           <a:lstStyle/>
           <a:p>
-            <a:fld id="{91AA38ED-6E11-A042-BD50-887A2F32D715}" type="slidenum">
+            <a:fld id="{67F42522-F24A-B14B-BB2C-B26443761E53}" type="slidenum">
               <a:rPr lang="en-US" smtClean="0"/>
               <a:t>20</a:t>
             </a:fld>
@@ -4070,7 +4115,7 @@
     </p:spTree>
     <p:extLst>
       <p:ext uri="{BB962C8B-B14F-4D97-AF65-F5344CB8AC3E}">
-        <p14:creationId xmlns:p14="http://schemas.microsoft.com/office/powerpoint/2010/main" val="2028971119"/>
+        <p14:creationId xmlns:p14="http://schemas.microsoft.com/office/powerpoint/2010/main" val="1606288964"/>
       </p:ext>
     </p:extLst>
   </p:cSld>
@@ -5289,13 +5334,83 @@
           <a:p>
             <a:r>
               <a:rPr lang="en-US" dirty="0"/>
-              <a:t>We have shown the simplified pathway on the right that we will use for the simplified modeling for convenience</a:t>
-            </a:r>
-          </a:p>
-          <a:p>
+              <a:t>Isobutanol toxicity - once around 180 mM, cells stopped growing </a:t>
+            </a:r>
+          </a:p>
+          <a:p>
+            <a:r>
+              <a:rPr lang="en-US" dirty="0">
+                <a:hlinkClick r:id="rId3"/>
+              </a:rPr>
+              <a:t>https://www.ncbi.nlm.nih.gov/pmc/articles/PMC3242789/</a:t>
+            </a:r>
             <a:endParaRPr lang="en-US" dirty="0"/>
           </a:p>
           <a:p>
+            <a:endParaRPr lang="en-US" dirty="0"/>
+          </a:p>
+          <a:p>
+            <a:r>
+              <a:rPr lang="en-US" dirty="0"/>
+              <a:t>Concentrations of 1-2 % v/v isobutanol can induce toxic effects in microbial production host, reducing growth rates and precursor synthesis – low product yields</a:t>
+            </a:r>
+          </a:p>
+          <a:p>
+            <a:endParaRPr lang="en-US" dirty="0"/>
+          </a:p>
+          <a:p>
+            <a:r>
+              <a:rPr lang="en-US" dirty="0"/>
+              <a:t>E coli = volume = 1 umeter^3 , length – 1-2 </a:t>
+            </a:r>
+            <a:r>
+              <a:rPr lang="en-US" dirty="0" err="1"/>
+              <a:t>umeter</a:t>
+            </a:r>
+            <a:r>
+              <a:rPr lang="en-US" dirty="0"/>
+              <a:t> = 1000 nanometer</a:t>
+            </a:r>
+          </a:p>
+          <a:p>
+            <a:r>
+              <a:rPr lang="en-US" dirty="0"/>
+              <a:t>GUV = 300 nanometer , volume = 0.3 umeter^3</a:t>
+            </a:r>
+          </a:p>
+          <a:p>
+            <a:r>
+              <a:rPr lang="en-US" dirty="0"/>
+              <a:t>Conc of isobutanol – 30 mM</a:t>
+            </a:r>
+          </a:p>
+          <a:p>
+            <a:endParaRPr lang="en-US" dirty="0"/>
+          </a:p>
+          <a:p>
+            <a:endParaRPr lang="en-US" dirty="0"/>
+          </a:p>
+          <a:p>
+            <a:r>
+              <a:rPr lang="en-US" dirty="0"/>
+              <a:t>Isobutanol toxicity: n-butanol can interact with the cell by altering the lipid composition and fluidity of the membrane, decreasing intracellular pH and ATP concentration, inhibiting the uptake of glucose. Isobutanol stress response in E.coli is quantitively similar to that of n-butanol with respect to transcriptional levels, except for increased repression of amino acid biosynthesis by n-</a:t>
+            </a:r>
+            <a:r>
+              <a:rPr lang="en-US" dirty="0" err="1"/>
+              <a:t>butanol</a:t>
+            </a:r>
+            <a:r>
+              <a:rPr lang="en-US" dirty="0" err="1">
+                <a:hlinkClick r:id="rId4"/>
+              </a:rPr>
+              <a:t>https</a:t>
+            </a:r>
+            <a:r>
+              <a:rPr lang="en-US" dirty="0">
+                <a:hlinkClick r:id="rId4"/>
+              </a:rPr>
+              <a:t>://www.embopress.org/doi/full/10.1038/msb.2010.98</a:t>
+            </a:r>
             <a:endParaRPr lang="en-US" dirty="0"/>
           </a:p>
         </p:txBody>
@@ -5315,7 +5430,7 @@
           <a:bodyPr/>
           <a:lstStyle/>
           <a:p>
-            <a:fld id="{161F772B-7887-4843-AC26-B1485BC4B64A}" type="slidenum">
+            <a:fld id="{67F42522-F24A-B14B-BB2C-B26443761E53}" type="slidenum">
               <a:rPr lang="en-US" smtClean="0"/>
               <a:t>11</a:t>
             </a:fld>
@@ -5326,7 +5441,7 @@
     </p:spTree>
     <p:extLst>
       <p:ext uri="{BB962C8B-B14F-4D97-AF65-F5344CB8AC3E}">
-        <p14:creationId xmlns:p14="http://schemas.microsoft.com/office/powerpoint/2010/main" val="486014850"/>
+        <p14:creationId xmlns:p14="http://schemas.microsoft.com/office/powerpoint/2010/main" val="4016160794"/>
       </p:ext>
     </p:extLst>
   </p:cSld>
@@ -5380,104 +5495,6 @@
           <a:bodyPr/>
           <a:lstStyle/>
           <a:p>
-            <a:r>
-              <a:rPr lang="en-US" dirty="0"/>
-              <a:t>Here, we show the different enzymatic models we’ve tried to study</a:t>
-            </a:r>
-          </a:p>
-          <a:p>
-            <a:r>
-              <a:rPr lang="en-US" dirty="0"/>
-              <a:t>&lt;click&gt;</a:t>
-            </a:r>
-          </a:p>
-          <a:p>
-            <a:r>
-              <a:rPr lang="en-US" dirty="0"/>
-              <a:t>At this point, I chose slightly arbitrary parameters. They are generally on the correct order of magnitude but they may not entirely accurate.  </a:t>
-            </a:r>
-          </a:p>
-          <a:p>
-            <a:endParaRPr lang="en-US" dirty="0"/>
-          </a:p>
-          <a:p>
-            <a:r>
-              <a:rPr lang="en-US" dirty="0"/>
-              <a:t>Go through the graphs</a:t>
-            </a:r>
-          </a:p>
-          <a:p>
-            <a:endParaRPr lang="en-US" dirty="0"/>
-          </a:p>
-          <a:p>
-            <a:r>
-              <a:rPr lang="en-US" dirty="0"/>
-              <a:t>ATP leak curve is a large oversimplification to try to account for the </a:t>
-            </a:r>
-            <a:r>
-              <a:rPr lang="en-US" dirty="0" err="1"/>
-              <a:t>atp</a:t>
-            </a:r>
-            <a:r>
-              <a:rPr lang="en-US" dirty="0"/>
-              <a:t> hydrolysis by </a:t>
-            </a:r>
-            <a:r>
-              <a:rPr lang="en-US" dirty="0" err="1"/>
-              <a:t>atpase</a:t>
-            </a:r>
-            <a:r>
-              <a:rPr lang="en-US" dirty="0"/>
-              <a:t> activity and the </a:t>
-            </a:r>
-            <a:r>
-              <a:rPr lang="en-US" dirty="0" err="1"/>
-              <a:t>atp</a:t>
-            </a:r>
-            <a:r>
-              <a:rPr lang="en-US" dirty="0"/>
-              <a:t> used in </a:t>
-            </a:r>
-            <a:r>
-              <a:rPr lang="en-US" dirty="0" err="1"/>
-              <a:t>tx</a:t>
-            </a:r>
-            <a:r>
-              <a:rPr lang="en-US" dirty="0"/>
-              <a:t>/</a:t>
-            </a:r>
-            <a:r>
-              <a:rPr lang="en-US" dirty="0" err="1"/>
-              <a:t>tl</a:t>
-            </a:r>
-            <a:endParaRPr lang="en-US" dirty="0"/>
-          </a:p>
-          <a:p>
-            <a:r>
-              <a:rPr lang="en-US" dirty="0"/>
-              <a:t>	we make sure that these parameters ensure use of </a:t>
-            </a:r>
-            <a:r>
-              <a:rPr lang="en-US" dirty="0" err="1"/>
-              <a:t>atp</a:t>
-            </a:r>
-            <a:r>
-              <a:rPr lang="en-US" dirty="0"/>
-              <a:t> by time 20 in the simulations that only consider </a:t>
-            </a:r>
-            <a:r>
-              <a:rPr lang="en-US" dirty="0" err="1"/>
-              <a:t>atp</a:t>
-            </a:r>
-            <a:r>
-              <a:rPr lang="en-US" dirty="0"/>
-              <a:t> (experimental evidence)</a:t>
-            </a:r>
-          </a:p>
-          <a:p>
-            <a:endParaRPr lang="en-US" dirty="0"/>
-          </a:p>
-          <a:p>
             <a:endParaRPr lang="en-US" dirty="0"/>
           </a:p>
         </p:txBody>
@@ -5497,7 +5514,7 @@
           <a:bodyPr/>
           <a:lstStyle/>
           <a:p>
-            <a:fld id="{161F772B-7887-4843-AC26-B1485BC4B64A}" type="slidenum">
+            <a:fld id="{91AA38ED-6E11-A042-BD50-887A2F32D715}" type="slidenum">
               <a:rPr lang="en-US" smtClean="0"/>
               <a:t>12</a:t>
             </a:fld>
@@ -5508,7 +5525,7 @@
     </p:spTree>
     <p:extLst>
       <p:ext uri="{BB962C8B-B14F-4D97-AF65-F5344CB8AC3E}">
-        <p14:creationId xmlns:p14="http://schemas.microsoft.com/office/powerpoint/2010/main" val="3432494777"/>
+        <p14:creationId xmlns:p14="http://schemas.microsoft.com/office/powerpoint/2010/main" val="2028971119"/>
       </p:ext>
     </p:extLst>
   </p:cSld>
@@ -5564,84 +5581,7 @@
           <a:p>
             <a:r>
               <a:rPr lang="en-US" dirty="0"/>
-              <a:t>In attempt to explore the dynamics of the pathway, I made some parameter generalizations to begin with.</a:t>
-            </a:r>
-          </a:p>
-          <a:p>
-            <a:r>
-              <a:rPr lang="en-US" dirty="0"/>
-              <a:t>All the k for all the enzymes in the pathway are the same </a:t>
-            </a:r>
-          </a:p>
-          <a:p>
-            <a:r>
-              <a:rPr lang="en-US" dirty="0"/>
-              <a:t>We assume that we put the same amount of each enzyme in the mixture. </a:t>
-            </a:r>
-          </a:p>
-          <a:p>
-            <a:r>
-              <a:rPr lang="en-US" dirty="0"/>
-              <a:t>ATP leak enzymes is a large oversimplification to try to account for the </a:t>
-            </a:r>
-            <a:r>
-              <a:rPr lang="en-US" dirty="0" err="1"/>
-              <a:t>atp</a:t>
-            </a:r>
-            <a:r>
-              <a:rPr lang="en-US" dirty="0"/>
-              <a:t> hydrolysis by </a:t>
-            </a:r>
-            <a:r>
-              <a:rPr lang="en-US" dirty="0" err="1"/>
-              <a:t>atpase</a:t>
-            </a:r>
-            <a:r>
-              <a:rPr lang="en-US" dirty="0"/>
-              <a:t> activity and the </a:t>
-            </a:r>
-            <a:r>
-              <a:rPr lang="en-US" dirty="0" err="1"/>
-              <a:t>atp</a:t>
-            </a:r>
-            <a:r>
-              <a:rPr lang="en-US" dirty="0"/>
-              <a:t> used in </a:t>
-            </a:r>
-            <a:r>
-              <a:rPr lang="en-US" dirty="0" err="1"/>
-              <a:t>tx</a:t>
-            </a:r>
-            <a:r>
-              <a:rPr lang="en-US" dirty="0"/>
-              <a:t>/</a:t>
-            </a:r>
-            <a:r>
-              <a:rPr lang="en-US" dirty="0" err="1"/>
-              <a:t>tl</a:t>
-            </a:r>
-            <a:endParaRPr lang="en-US" dirty="0"/>
-          </a:p>
-          <a:p>
-            <a:r>
-              <a:rPr lang="en-US" dirty="0"/>
-              <a:t>	we make sure that these parameters ensure use of </a:t>
-            </a:r>
-            <a:r>
-              <a:rPr lang="en-US" dirty="0" err="1"/>
-              <a:t>atp</a:t>
-            </a:r>
-            <a:r>
-              <a:rPr lang="en-US" dirty="0"/>
-              <a:t> by time 20 in the simulations that only consider </a:t>
-            </a:r>
-            <a:r>
-              <a:rPr lang="en-US" dirty="0" err="1"/>
-              <a:t>atp</a:t>
-            </a:r>
-            <a:r>
-              <a:rPr lang="en-US" dirty="0"/>
-              <a:t> (experimental evidence)</a:t>
+              <a:t>We have shown the simplified pathway on the right that we will use for the simplified modeling for convenience</a:t>
             </a:r>
           </a:p>
           <a:p>
@@ -5678,7 +5618,7 @@
     </p:spTree>
     <p:extLst>
       <p:ext uri="{BB962C8B-B14F-4D97-AF65-F5344CB8AC3E}">
-        <p14:creationId xmlns:p14="http://schemas.microsoft.com/office/powerpoint/2010/main" val="3280673842"/>
+        <p14:creationId xmlns:p14="http://schemas.microsoft.com/office/powerpoint/2010/main" val="486014850"/>
       </p:ext>
     </p:extLst>
   </p:cSld>
@@ -5734,16 +5674,7 @@
           <a:p>
             <a:r>
               <a:rPr lang="en-US" dirty="0"/>
-              <a:t> Now, we incorporate this entire pathway in biocrnpyler.</a:t>
-            </a:r>
-          </a:p>
-          <a:p>
-            <a:endParaRPr lang="en-US" dirty="0"/>
-          </a:p>
-          <a:p>
-            <a:r>
-              <a:rPr lang="en-US" dirty="0"/>
-              <a:t>On the top here, we have used very similar parameters from before. Now, I will begin to do a bit of parameter search to try to find cases where there may be more optimal dynamics and to try an gain a better intuition of the pathway .</a:t>
+              <a:t>Here, we show the different enzymatic models we’ve tried to study</a:t>
             </a:r>
           </a:p>
           <a:p>
@@ -5755,7 +5686,25 @@
           <a:p>
             <a:r>
               <a:rPr lang="en-US" dirty="0"/>
-              <a:t>On the bottom, I’ve changed the initial amount of enzymes (CLICKS!) and the rate of </a:t>
+              <a:t>At this point, I chose slightly arbitrary parameters. They are generally on the correct order of magnitude but they may not entirely accurate.  </a:t>
+            </a:r>
+          </a:p>
+          <a:p>
+            <a:endParaRPr lang="en-US" dirty="0"/>
+          </a:p>
+          <a:p>
+            <a:r>
+              <a:rPr lang="en-US" dirty="0"/>
+              <a:t>Go through the graphs</a:t>
+            </a:r>
+          </a:p>
+          <a:p>
+            <a:endParaRPr lang="en-US" dirty="0"/>
+          </a:p>
+          <a:p>
+            <a:r>
+              <a:rPr lang="en-US" dirty="0"/>
+              <a:t>ATP leak curve is a large oversimplification to try to account for the </a:t>
             </a:r>
             <a:r>
               <a:rPr lang="en-US" dirty="0" err="1"/>
@@ -5763,7 +5712,15 @@
             </a:r>
             <a:r>
               <a:rPr lang="en-US" dirty="0"/>
-              <a:t> leak a bit in attempt to move the ‘hump’ of </a:t>
+              <a:t> hydrolysis by </a:t>
+            </a:r>
+            <a:r>
+              <a:rPr lang="en-US" dirty="0" err="1"/>
+              <a:t>atpase</a:t>
+            </a:r>
+            <a:r>
+              <a:rPr lang="en-US" dirty="0"/>
+              <a:t> activity and the </a:t>
             </a:r>
             <a:r>
               <a:rPr lang="en-US" dirty="0" err="1"/>
@@ -5771,7 +5728,26 @@
             </a:r>
             <a:r>
               <a:rPr lang="en-US" dirty="0"/>
-              <a:t> production.  Note that the green line represents the simulation with only </a:t>
+              <a:t> used in </a:t>
+            </a:r>
+            <a:r>
+              <a:rPr lang="en-US" dirty="0" err="1"/>
+              <a:t>tx</a:t>
+            </a:r>
+            <a:r>
+              <a:rPr lang="en-US" dirty="0"/>
+              <a:t>/</a:t>
+            </a:r>
+            <a:r>
+              <a:rPr lang="en-US" dirty="0" err="1"/>
+              <a:t>tl</a:t>
+            </a:r>
+            <a:endParaRPr lang="en-US" dirty="0"/>
+          </a:p>
+          <a:p>
+            <a:r>
+              <a:rPr lang="en-US" dirty="0"/>
+              <a:t>	we make sure that these parameters ensure use of </a:t>
             </a:r>
             <a:r>
               <a:rPr lang="en-US" dirty="0" err="1"/>
@@ -5779,7 +5755,7 @@
             </a:r>
             <a:r>
               <a:rPr lang="en-US" dirty="0"/>
-              <a:t> leak, no rheostat machinery. We would ideally like the pink ‘</a:t>
+              <a:t> by time 20 in the simulations that only consider </a:t>
             </a:r>
             <a:r>
               <a:rPr lang="en-US" dirty="0" err="1"/>
@@ -5787,52 +5763,14 @@
             </a:r>
             <a:r>
               <a:rPr lang="en-US" dirty="0"/>
-              <a:t>’ line to be right-shifted in comparison to the green </a:t>
-            </a:r>
-            <a:r>
-              <a:rPr lang="en-US" dirty="0" err="1"/>
-              <a:t>atp</a:t>
-            </a:r>
-            <a:r>
-              <a:rPr lang="en-US" dirty="0"/>
-              <a:t> only line.</a:t>
-            </a:r>
-          </a:p>
-          <a:p>
-            <a:r>
-              <a:rPr lang="en-US" dirty="0"/>
-              <a:t>&lt;click&gt;</a:t>
-            </a:r>
-          </a:p>
-          <a:p>
-            <a:r>
-              <a:rPr lang="en-US" dirty="0"/>
-              <a:t>Moving forward, I will perform a parameter search to try to optimize the area underneath the curve of the pink </a:t>
-            </a:r>
-            <a:r>
-              <a:rPr lang="en-US" dirty="0" err="1"/>
-              <a:t>atp</a:t>
-            </a:r>
-            <a:r>
-              <a:rPr lang="en-US" dirty="0"/>
-              <a:t> line and also try to gain a better intuition of why we see what we see. While doing the optimizations, we must keep in mind that the green </a:t>
-            </a:r>
-            <a:r>
-              <a:rPr lang="en-US" dirty="0" err="1"/>
-              <a:t>atp_only</a:t>
-            </a:r>
-            <a:r>
-              <a:rPr lang="en-US" dirty="0"/>
-              <a:t> line should continue to reach 0 around time 20. For reference, here are the integral values of the </a:t>
-            </a:r>
-            <a:r>
-              <a:rPr lang="en-US" dirty="0" err="1"/>
-              <a:t>atp</a:t>
-            </a:r>
-            <a:r>
-              <a:rPr lang="en-US" dirty="0"/>
-              <a:t> line.</a:t>
-            </a:r>
+              <a:t> (experimental evidence)</a:t>
+            </a:r>
+          </a:p>
+          <a:p>
+            <a:endParaRPr lang="en-US" dirty="0"/>
+          </a:p>
+          <a:p>
+            <a:endParaRPr lang="en-US" dirty="0"/>
           </a:p>
         </p:txBody>
       </p:sp>
@@ -5862,7 +5800,7 @@
     </p:spTree>
     <p:extLst>
       <p:ext uri="{BB962C8B-B14F-4D97-AF65-F5344CB8AC3E}">
-        <p14:creationId xmlns:p14="http://schemas.microsoft.com/office/powerpoint/2010/main" val="2594907886"/>
+        <p14:creationId xmlns:p14="http://schemas.microsoft.com/office/powerpoint/2010/main" val="3432494777"/>
       </p:ext>
     </p:extLst>
   </p:cSld>
@@ -5918,7 +5856,25 @@
           <a:p>
             <a:r>
               <a:rPr lang="en-US" dirty="0"/>
-              <a:t>I also see that increasing the initial free phosphate concentration can increase the amount of </a:t>
+              <a:t>In attempt to explore the dynamics of the pathway, I made some parameter generalizations to begin with.</a:t>
+            </a:r>
+          </a:p>
+          <a:p>
+            <a:r>
+              <a:rPr lang="en-US" dirty="0"/>
+              <a:t>All the k for all the enzymes in the pathway are the same </a:t>
+            </a:r>
+          </a:p>
+          <a:p>
+            <a:r>
+              <a:rPr lang="en-US" dirty="0"/>
+              <a:t>We assume that we put the same amount of each enzyme in the mixture. </a:t>
+            </a:r>
+          </a:p>
+          <a:p>
+            <a:r>
+              <a:rPr lang="en-US" dirty="0"/>
+              <a:t>ATP leak enzymes is a large oversimplification to try to account for the </a:t>
             </a:r>
             <a:r>
               <a:rPr lang="en-US" dirty="0" err="1"/>
@@ -5926,24 +5882,15 @@
             </a:r>
             <a:r>
               <a:rPr lang="en-US" dirty="0"/>
-              <a:t> produced without affecting the </a:t>
+              <a:t> hydrolysis by </a:t>
             </a:r>
             <a:r>
               <a:rPr lang="en-US" dirty="0" err="1"/>
-              <a:t>atp_only</a:t>
+              <a:t>atpase</a:t>
             </a:r>
             <a:r>
               <a:rPr lang="en-US" dirty="0"/>
-              <a:t> curve.</a:t>
-            </a:r>
-          </a:p>
-          <a:p>
-            <a:endParaRPr lang="en-US" dirty="0"/>
-          </a:p>
-          <a:p>
-            <a:r>
-              <a:rPr lang="en-US" dirty="0"/>
-              <a:t>In the context of simulations, this is relatively positive since we do indeed see that we can get extended </a:t>
+              <a:t> activity and the </a:t>
             </a:r>
             <a:r>
               <a:rPr lang="en-US" dirty="0" err="1"/>
@@ -5951,17 +5898,49 @@
             </a:r>
             <a:r>
               <a:rPr lang="en-US" dirty="0"/>
-              <a:t> lifetime, up to about 40 hours. However, the parameter estimates and assumptions we have made may be a bit concerning. NEXT</a:t>
-            </a:r>
-          </a:p>
-          <a:p>
+              <a:t> used in </a:t>
+            </a:r>
+            <a:r>
+              <a:rPr lang="en-US" dirty="0" err="1"/>
+              <a:t>tx</a:t>
+            </a:r>
+            <a:r>
+              <a:rPr lang="en-US" dirty="0"/>
+              <a:t>/</a:t>
+            </a:r>
+            <a:r>
+              <a:rPr lang="en-US" dirty="0" err="1"/>
+              <a:t>tl</a:t>
+            </a:r>
             <a:endParaRPr lang="en-US" dirty="0"/>
           </a:p>
           <a:p>
             <a:r>
               <a:rPr lang="en-US" dirty="0"/>
-              <a:t>Going forward, we will be using the parameters shown on the bottom plot, unless otherwise stated</a:t>
-            </a:r>
+              <a:t>	we make sure that these parameters ensure use of </a:t>
+            </a:r>
+            <a:r>
+              <a:rPr lang="en-US" dirty="0" err="1"/>
+              <a:t>atp</a:t>
+            </a:r>
+            <a:r>
+              <a:rPr lang="en-US" dirty="0"/>
+              <a:t> by time 20 in the simulations that only consider </a:t>
+            </a:r>
+            <a:r>
+              <a:rPr lang="en-US" dirty="0" err="1"/>
+              <a:t>atp</a:t>
+            </a:r>
+            <a:r>
+              <a:rPr lang="en-US" dirty="0"/>
+              <a:t> (experimental evidence)</a:t>
+            </a:r>
+          </a:p>
+          <a:p>
+            <a:endParaRPr lang="en-US" dirty="0"/>
+          </a:p>
+          <a:p>
+            <a:endParaRPr lang="en-US" dirty="0"/>
           </a:p>
         </p:txBody>
       </p:sp>
@@ -5991,7 +5970,7 @@
     </p:spTree>
     <p:extLst>
       <p:ext uri="{BB962C8B-B14F-4D97-AF65-F5344CB8AC3E}">
-        <p14:creationId xmlns:p14="http://schemas.microsoft.com/office/powerpoint/2010/main" val="3006947055"/>
+        <p14:creationId xmlns:p14="http://schemas.microsoft.com/office/powerpoint/2010/main" val="3280673842"/>
       </p:ext>
     </p:extLst>
   </p:cSld>
@@ -6047,84 +6026,105 @@
           <a:p>
             <a:r>
               <a:rPr lang="en-US" dirty="0"/>
-              <a:t>Isobutanol toxicity - once around 180 mM, cells stopped growing </a:t>
-            </a:r>
-          </a:p>
-          <a:p>
-            <a:r>
-              <a:rPr lang="en-US" dirty="0">
-                <a:hlinkClick r:id="rId3"/>
-              </a:rPr>
-              <a:t>https://www.ncbi.nlm.nih.gov/pmc/articles/PMC3242789/</a:t>
-            </a:r>
+              <a:t> Now, we incorporate this entire pathway in biocrnpyler.</a:t>
+            </a:r>
+          </a:p>
+          <a:p>
             <a:endParaRPr lang="en-US" dirty="0"/>
           </a:p>
           <a:p>
-            <a:endParaRPr lang="en-US" dirty="0"/>
-          </a:p>
-          <a:p>
             <a:r>
               <a:rPr lang="en-US" dirty="0"/>
-              <a:t>Concentrations of 1-2 % v/v isobutanol can induce toxic effects in microbial production host, reducing growth rates and precursor synthesis – low product yields</a:t>
-            </a:r>
-          </a:p>
-          <a:p>
-            <a:endParaRPr lang="en-US" dirty="0"/>
+              <a:t>On the top here, we have used very similar parameters from before. Now, I will begin to do a bit of parameter search to try to find cases where there may be more optimal dynamics and to try an gain a better intuition of the pathway .</a:t>
+            </a:r>
           </a:p>
           <a:p>
             <a:r>
               <a:rPr lang="en-US" dirty="0"/>
-              <a:t>E coli = volume = 1 umeter^3 , length – 1-2 </a:t>
+              <a:t>&lt;click&gt;</a:t>
+            </a:r>
+          </a:p>
+          <a:p>
+            <a:r>
+              <a:rPr lang="en-US" dirty="0"/>
+              <a:t>On the bottom, I’ve changed the initial amount of enzymes (CLICKS!) and the rate of </a:t>
             </a:r>
             <a:r>
               <a:rPr lang="en-US" dirty="0" err="1"/>
-              <a:t>umeter</a:t>
+              <a:t>atp</a:t>
             </a:r>
             <a:r>
               <a:rPr lang="en-US" dirty="0"/>
-              <a:t> = 1000 nanometer</a:t>
-            </a:r>
-          </a:p>
-          <a:p>
+              <a:t> leak a bit in attempt to move the ‘hump’ of </a:t>
+            </a:r>
+            <a:r>
+              <a:rPr lang="en-US" dirty="0" err="1"/>
+              <a:t>atp</a:t>
+            </a:r>
             <a:r>
               <a:rPr lang="en-US" dirty="0"/>
-              <a:t>GUV = 300 nanometer , volume = 0.3 umeter^3</a:t>
-            </a:r>
-          </a:p>
-          <a:p>
+              <a:t> production.  Note that the green line represents the simulation with only </a:t>
+            </a:r>
+            <a:r>
+              <a:rPr lang="en-US" dirty="0" err="1"/>
+              <a:t>atp</a:t>
+            </a:r>
             <a:r>
               <a:rPr lang="en-US" dirty="0"/>
-              <a:t>Conc of isobutanol – 30 mM</a:t>
-            </a:r>
-          </a:p>
-          <a:p>
-            <a:endParaRPr lang="en-US" dirty="0"/>
-          </a:p>
-          <a:p>
-            <a:endParaRPr lang="en-US" dirty="0"/>
-          </a:p>
-          <a:p>
+              <a:t> leak, no rheostat machinery. We would ideally like the pink ‘</a:t>
+            </a:r>
+            <a:r>
+              <a:rPr lang="en-US" dirty="0" err="1"/>
+              <a:t>atp</a:t>
+            </a:r>
             <a:r>
               <a:rPr lang="en-US" dirty="0"/>
-              <a:t>Isobutanol toxicity: n-butanol can interact with the cell by altering the lipid composition and fluidity of the membrane, decreasing intracellular pH and ATP concentration, inhibiting the uptake of glucose. Isobutanol stress response in E.coli is quantitively similar to that of n-butanol with respect to transcriptional levels, except for increased repression of amino acid biosynthesis by n-</a:t>
+              <a:t>’ line to be right-shifted in comparison to the green </a:t>
             </a:r>
             <a:r>
               <a:rPr lang="en-US" dirty="0" err="1"/>
-              <a:t>butanol</a:t>
-            </a:r>
-            <a:r>
-              <a:rPr lang="en-US" dirty="0" err="1">
-                <a:hlinkClick r:id="rId4"/>
-              </a:rPr>
-              <a:t>https</a:t>
-            </a:r>
-            <a:r>
-              <a:rPr lang="en-US" dirty="0">
-                <a:hlinkClick r:id="rId4"/>
-              </a:rPr>
-              <a:t>://www.embopress.org/doi/full/10.1038/msb.2010.98</a:t>
-            </a:r>
-            <a:endParaRPr lang="en-US" dirty="0"/>
+              <a:t>atp</a:t>
+            </a:r>
+            <a:r>
+              <a:rPr lang="en-US" dirty="0"/>
+              <a:t> only line.</a:t>
+            </a:r>
+          </a:p>
+          <a:p>
+            <a:r>
+              <a:rPr lang="en-US" dirty="0"/>
+              <a:t>&lt;click&gt;</a:t>
+            </a:r>
+          </a:p>
+          <a:p>
+            <a:r>
+              <a:rPr lang="en-US" dirty="0"/>
+              <a:t>Moving forward, I will perform a parameter search to try to optimize the area underneath the curve of the pink </a:t>
+            </a:r>
+            <a:r>
+              <a:rPr lang="en-US" dirty="0" err="1"/>
+              <a:t>atp</a:t>
+            </a:r>
+            <a:r>
+              <a:rPr lang="en-US" dirty="0"/>
+              <a:t> line and also try to gain a better intuition of why we see what we see. While doing the optimizations, we must keep in mind that the green </a:t>
+            </a:r>
+            <a:r>
+              <a:rPr lang="en-US" dirty="0" err="1"/>
+              <a:t>atp_only</a:t>
+            </a:r>
+            <a:r>
+              <a:rPr lang="en-US" dirty="0"/>
+              <a:t> line should continue to reach 0 around time 20. For reference, here are the integral values of the </a:t>
+            </a:r>
+            <a:r>
+              <a:rPr lang="en-US" dirty="0" err="1"/>
+              <a:t>atp</a:t>
+            </a:r>
+            <a:r>
+              <a:rPr lang="en-US" dirty="0"/>
+              <a:t> line.</a:t>
+            </a:r>
           </a:p>
         </p:txBody>
       </p:sp>
@@ -6143,7 +6143,7 @@
           <a:bodyPr/>
           <a:lstStyle/>
           <a:p>
-            <a:fld id="{67F42522-F24A-B14B-BB2C-B26443761E53}" type="slidenum">
+            <a:fld id="{161F772B-7887-4843-AC26-B1485BC4B64A}" type="slidenum">
               <a:rPr lang="en-US" smtClean="0"/>
               <a:t>16</a:t>
             </a:fld>
@@ -6154,7 +6154,7 @@
     </p:spTree>
     <p:extLst>
       <p:ext uri="{BB962C8B-B14F-4D97-AF65-F5344CB8AC3E}">
-        <p14:creationId xmlns:p14="http://schemas.microsoft.com/office/powerpoint/2010/main" val="4016160794"/>
+        <p14:creationId xmlns:p14="http://schemas.microsoft.com/office/powerpoint/2010/main" val="2594907886"/>
       </p:ext>
     </p:extLst>
   </p:cSld>
@@ -8878,6 +8878,670 @@
           <p:cNvPr id="2" name="Title 1">
             <a:extLst>
               <a:ext uri="{FF2B5EF4-FFF2-40B4-BE49-F238E27FC236}">
+                <a16:creationId xmlns:a16="http://schemas.microsoft.com/office/drawing/2014/main" id="{31CBD292-12F9-4C4D-AB7F-B961FBCF1C7E}"/>
+              </a:ext>
+            </a:extLst>
+          </p:cNvPr>
+          <p:cNvSpPr>
+            <a:spLocks noGrp="1"/>
+          </p:cNvSpPr>
+          <p:nvPr>
+            <p:ph type="title"/>
+          </p:nvPr>
+        </p:nvSpPr>
+        <p:spPr>
+          <a:xfrm>
+            <a:off x="295280" y="263525"/>
+            <a:ext cx="10515600" cy="1325563"/>
+          </a:xfrm>
+        </p:spPr>
+        <p:txBody>
+          <a:bodyPr>
+            <a:normAutofit/>
+          </a:bodyPr>
+          <a:lstStyle/>
+          <a:p>
+            <a:r>
+              <a:rPr lang="en-US" sz="3200" b="1" dirty="0"/>
+              <a:t>Rheostat Model Output</a:t>
+            </a:r>
+          </a:p>
+        </p:txBody>
+      </p:sp>
+      <p:grpSp>
+        <p:nvGrpSpPr>
+          <p:cNvPr id="4" name="Group 3">
+            <a:extLst>
+              <a:ext uri="{FF2B5EF4-FFF2-40B4-BE49-F238E27FC236}">
+                <a16:creationId xmlns:a16="http://schemas.microsoft.com/office/drawing/2014/main" id="{D7BC36EF-02F5-FB44-9405-672EC9DCB4F3}"/>
+              </a:ext>
+            </a:extLst>
+          </p:cNvPr>
+          <p:cNvGrpSpPr/>
+          <p:nvPr/>
+        </p:nvGrpSpPr>
+        <p:grpSpPr>
+          <a:xfrm>
+            <a:off x="4422757" y="1404613"/>
+            <a:ext cx="6577038" cy="4724400"/>
+            <a:chOff x="4498957" y="2611113"/>
+            <a:chExt cx="6577038" cy="4724400"/>
+          </a:xfrm>
+        </p:grpSpPr>
+        <p:pic>
+          <p:nvPicPr>
+            <p:cNvPr id="5" name="Picture 4" descr="A close up of a map&#10;&#10;Description automatically generated">
+              <a:extLst>
+                <a:ext uri="{FF2B5EF4-FFF2-40B4-BE49-F238E27FC236}">
+                  <a16:creationId xmlns:a16="http://schemas.microsoft.com/office/drawing/2014/main" id="{A2F049C7-EA5D-D748-932D-3BB47C606A35}"/>
+                </a:ext>
+              </a:extLst>
+            </p:cNvPr>
+            <p:cNvPicPr>
+              <a:picLocks noChangeAspect="1"/>
+            </p:cNvPicPr>
+            <p:nvPr/>
+          </p:nvPicPr>
+          <p:blipFill>
+            <a:blip r:embed="rId3"/>
+            <a:stretch>
+              <a:fillRect/>
+            </a:stretch>
+          </p:blipFill>
+          <p:spPr>
+            <a:xfrm>
+              <a:off x="4515536" y="5049513"/>
+              <a:ext cx="4114800" cy="2286000"/>
+            </a:xfrm>
+            <a:prstGeom prst="rect">
+              <a:avLst/>
+            </a:prstGeom>
+          </p:spPr>
+        </p:pic>
+        <p:pic>
+          <p:nvPicPr>
+            <p:cNvPr id="6" name="Picture 5" descr="A screenshot of a cell phone&#10;&#10;Description automatically generated">
+              <a:extLst>
+                <a:ext uri="{FF2B5EF4-FFF2-40B4-BE49-F238E27FC236}">
+                  <a16:creationId xmlns:a16="http://schemas.microsoft.com/office/drawing/2014/main" id="{9CB57EE5-DE27-4243-8802-8F77C378DAE8}"/>
+                </a:ext>
+              </a:extLst>
+            </p:cNvPr>
+            <p:cNvPicPr>
+              <a:picLocks noChangeAspect="1"/>
+            </p:cNvPicPr>
+            <p:nvPr/>
+          </p:nvPicPr>
+          <p:blipFill>
+            <a:blip r:embed="rId4"/>
+            <a:stretch>
+              <a:fillRect/>
+            </a:stretch>
+          </p:blipFill>
+          <p:spPr>
+            <a:xfrm>
+              <a:off x="9121593" y="2674991"/>
+              <a:ext cx="1954402" cy="2028308"/>
+            </a:xfrm>
+            <a:prstGeom prst="rect">
+              <a:avLst/>
+            </a:prstGeom>
+          </p:spPr>
+        </p:pic>
+        <p:sp>
+          <p:nvSpPr>
+            <p:cNvPr id="7" name="TextBox 6">
+              <a:extLst>
+                <a:ext uri="{FF2B5EF4-FFF2-40B4-BE49-F238E27FC236}">
+                  <a16:creationId xmlns:a16="http://schemas.microsoft.com/office/drawing/2014/main" id="{41F65531-522B-EC44-BAEE-894066FD7E3B}"/>
+                </a:ext>
+              </a:extLst>
+            </p:cNvPr>
+            <p:cNvSpPr txBox="1"/>
+            <p:nvPr/>
+          </p:nvSpPr>
+          <p:spPr>
+            <a:xfrm>
+              <a:off x="6480688" y="6418985"/>
+              <a:ext cx="1054231" cy="276999"/>
+            </a:xfrm>
+            <a:prstGeom prst="rect">
+              <a:avLst/>
+            </a:prstGeom>
+            <a:noFill/>
+          </p:spPr>
+          <p:txBody>
+            <a:bodyPr wrap="square" rtlCol="0">
+              <a:spAutoFit/>
+            </a:bodyPr>
+            <a:lstStyle/>
+            <a:p>
+              <a:r>
+                <a:rPr lang="en-US" sz="1200" dirty="0">
+                  <a:solidFill>
+                    <a:srgbClr val="E53BDE"/>
+                  </a:solidFill>
+                  <a:latin typeface="Avenir Book" panose="02000503020000020003" pitchFamily="2" charset="0"/>
+                </a:rPr>
+                <a:t>414.6</a:t>
+              </a:r>
+            </a:p>
+          </p:txBody>
+        </p:sp>
+        <p:pic>
+          <p:nvPicPr>
+            <p:cNvPr id="8" name="Picture 7" descr="A screenshot of a cell phone&#10;&#10;Description automatically generated">
+              <a:extLst>
+                <a:ext uri="{FF2B5EF4-FFF2-40B4-BE49-F238E27FC236}">
+                  <a16:creationId xmlns:a16="http://schemas.microsoft.com/office/drawing/2014/main" id="{9CCD1CDA-C813-DD4A-A447-C871AD700BAD}"/>
+                </a:ext>
+              </a:extLst>
+            </p:cNvPr>
+            <p:cNvPicPr>
+              <a:picLocks noChangeAspect="1"/>
+            </p:cNvPicPr>
+            <p:nvPr/>
+          </p:nvPicPr>
+          <p:blipFill>
+            <a:blip r:embed="rId5"/>
+            <a:stretch>
+              <a:fillRect/>
+            </a:stretch>
+          </p:blipFill>
+          <p:spPr>
+            <a:xfrm>
+              <a:off x="4498957" y="2611113"/>
+              <a:ext cx="4114800" cy="2286000"/>
+            </a:xfrm>
+            <a:prstGeom prst="rect">
+              <a:avLst/>
+            </a:prstGeom>
+          </p:spPr>
+        </p:pic>
+        <p:pic>
+          <p:nvPicPr>
+            <p:cNvPr id="9" name="Picture 8" descr="A picture containing knife&#10;&#10;Description automatically generated">
+              <a:extLst>
+                <a:ext uri="{FF2B5EF4-FFF2-40B4-BE49-F238E27FC236}">
+                  <a16:creationId xmlns:a16="http://schemas.microsoft.com/office/drawing/2014/main" id="{6D9FE994-015B-CC40-A275-591E0F6393C8}"/>
+                </a:ext>
+              </a:extLst>
+            </p:cNvPr>
+            <p:cNvPicPr>
+              <a:picLocks noChangeAspect="1"/>
+            </p:cNvPicPr>
+            <p:nvPr/>
+          </p:nvPicPr>
+          <p:blipFill>
+            <a:blip r:embed="rId6"/>
+            <a:stretch>
+              <a:fillRect/>
+            </a:stretch>
+          </p:blipFill>
+          <p:spPr>
+            <a:xfrm>
+              <a:off x="9554944" y="4923095"/>
+              <a:ext cx="1212113" cy="2294687"/>
+            </a:xfrm>
+            <a:prstGeom prst="rect">
+              <a:avLst/>
+            </a:prstGeom>
+          </p:spPr>
+        </p:pic>
+      </p:grpSp>
+      <p:pic>
+        <p:nvPicPr>
+          <p:cNvPr id="11" name="Content Placeholder 4" descr="A close up of a map&#10;&#10;Description automatically generated">
+            <a:extLst>
+              <a:ext uri="{FF2B5EF4-FFF2-40B4-BE49-F238E27FC236}">
+                <a16:creationId xmlns:a16="http://schemas.microsoft.com/office/drawing/2014/main" id="{ACFFF01D-F098-A341-B119-25B1B1A3896A}"/>
+              </a:ext>
+            </a:extLst>
+          </p:cNvPr>
+          <p:cNvPicPr>
+            <a:picLocks noChangeAspect="1"/>
+          </p:cNvPicPr>
+          <p:nvPr/>
+        </p:nvPicPr>
+        <p:blipFill>
+          <a:blip r:embed="rId7"/>
+          <a:stretch>
+            <a:fillRect/>
+          </a:stretch>
+        </p:blipFill>
+        <p:spPr>
+          <a:xfrm>
+            <a:off x="1058873" y="1490541"/>
+            <a:ext cx="1912005" cy="4400144"/>
+          </a:xfrm>
+          <a:prstGeom prst="rect">
+            <a:avLst/>
+          </a:prstGeom>
+        </p:spPr>
+      </p:pic>
+    </p:spTree>
+    <p:extLst>
+      <p:ext uri="{BB962C8B-B14F-4D97-AF65-F5344CB8AC3E}">
+        <p14:creationId xmlns:p14="http://schemas.microsoft.com/office/powerpoint/2010/main" val="1779961955"/>
+      </p:ext>
+    </p:extLst>
+  </p:cSld>
+  <p:clrMapOvr>
+    <a:masterClrMapping/>
+  </p:clrMapOvr>
+</p:sld>
+</file>
+
+<file path=ppt/slides/slide12.xml><?xml version="1.0" encoding="utf-8"?>
+<p:sld xmlns:a="http://schemas.openxmlformats.org/drawingml/2006/main" xmlns:r="http://schemas.openxmlformats.org/officeDocument/2006/relationships" xmlns:p="http://schemas.openxmlformats.org/presentationml/2006/main">
+  <p:cSld>
+    <p:spTree>
+      <p:nvGrpSpPr>
+        <p:cNvPr id="1" name=""/>
+        <p:cNvGrpSpPr/>
+        <p:nvPr/>
+      </p:nvGrpSpPr>
+      <p:grpSpPr>
+        <a:xfrm>
+          <a:off x="0" y="0"/>
+          <a:ext cx="0" cy="0"/>
+          <a:chOff x="0" y="0"/>
+          <a:chExt cx="0" cy="0"/>
+        </a:xfrm>
+      </p:grpSpPr>
+      <p:pic>
+        <p:nvPicPr>
+          <p:cNvPr id="5" name="Picture 4" descr="A close up of a map&#10;&#10;Description automatically generated">
+            <a:extLst>
+              <a:ext uri="{FF2B5EF4-FFF2-40B4-BE49-F238E27FC236}">
+                <a16:creationId xmlns:a16="http://schemas.microsoft.com/office/drawing/2014/main" id="{D4861B5C-53A1-0346-BA2A-B6568956724C}"/>
+              </a:ext>
+            </a:extLst>
+          </p:cNvPr>
+          <p:cNvPicPr>
+            <a:picLocks noChangeAspect="1"/>
+          </p:cNvPicPr>
+          <p:nvPr/>
+        </p:nvPicPr>
+        <p:blipFill>
+          <a:blip r:embed="rId3"/>
+          <a:stretch>
+            <a:fillRect/>
+          </a:stretch>
+        </p:blipFill>
+        <p:spPr>
+          <a:xfrm>
+            <a:off x="5652655" y="1966100"/>
+            <a:ext cx="4389120" cy="3657600"/>
+          </a:xfrm>
+          <a:prstGeom prst="rect">
+            <a:avLst/>
+          </a:prstGeom>
+        </p:spPr>
+      </p:pic>
+      <p:pic>
+        <p:nvPicPr>
+          <p:cNvPr id="7" name="Picture 6" descr="A close up of a map&#10;&#10;Description automatically generated">
+            <a:extLst>
+              <a:ext uri="{FF2B5EF4-FFF2-40B4-BE49-F238E27FC236}">
+                <a16:creationId xmlns:a16="http://schemas.microsoft.com/office/drawing/2014/main" id="{39F9905E-FCEE-A542-8896-E096A70EE7C3}"/>
+              </a:ext>
+            </a:extLst>
+          </p:cNvPr>
+          <p:cNvPicPr>
+            <a:picLocks noChangeAspect="1"/>
+          </p:cNvPicPr>
+          <p:nvPr/>
+        </p:nvPicPr>
+        <p:blipFill>
+          <a:blip r:embed="rId4"/>
+          <a:stretch>
+            <a:fillRect/>
+          </a:stretch>
+        </p:blipFill>
+        <p:spPr>
+          <a:xfrm>
+            <a:off x="1002055" y="1966100"/>
+            <a:ext cx="4389120" cy="3657600"/>
+          </a:xfrm>
+          <a:prstGeom prst="rect">
+            <a:avLst/>
+          </a:prstGeom>
+        </p:spPr>
+      </p:pic>
+      <p:sp>
+        <p:nvSpPr>
+          <p:cNvPr id="9" name="TextBox 8">
+            <a:extLst>
+              <a:ext uri="{FF2B5EF4-FFF2-40B4-BE49-F238E27FC236}">
+                <a16:creationId xmlns:a16="http://schemas.microsoft.com/office/drawing/2014/main" id="{2D0179AD-0848-2146-86FD-8BBB1360E0A4}"/>
+              </a:ext>
+            </a:extLst>
+          </p:cNvPr>
+          <p:cNvSpPr txBox="1"/>
+          <p:nvPr/>
+        </p:nvSpPr>
+        <p:spPr>
+          <a:xfrm>
+            <a:off x="0" y="6596390"/>
+            <a:ext cx="4655442" cy="307777"/>
+          </a:xfrm>
+          <a:prstGeom prst="rect">
+            <a:avLst/>
+          </a:prstGeom>
+          <a:noFill/>
+        </p:spPr>
+        <p:txBody>
+          <a:bodyPr wrap="none" rtlCol="0">
+            <a:spAutoFit/>
+          </a:bodyPr>
+          <a:lstStyle/>
+          <a:p>
+            <a:r>
+              <a:rPr lang="en-US" sz="1400" dirty="0">
+                <a:latin typeface="Avenir Book" panose="02000503020000020003" pitchFamily="2" charset="0"/>
+              </a:rPr>
+              <a:t>Export model courtesy of </a:t>
+            </a:r>
+            <a:r>
+              <a:rPr lang="en-US" sz="1400" dirty="0" err="1">
+                <a:latin typeface="Avenir Book" panose="02000503020000020003" pitchFamily="2" charset="0"/>
+              </a:rPr>
+              <a:t>Agrima</a:t>
+            </a:r>
+            <a:r>
+              <a:rPr lang="en-US" sz="1400" dirty="0">
+                <a:latin typeface="Avenir Book" panose="02000503020000020003" pitchFamily="2" charset="0"/>
+              </a:rPr>
+              <a:t> </a:t>
+            </a:r>
+            <a:r>
+              <a:rPr lang="en-US" sz="1400" dirty="0" err="1">
+                <a:latin typeface="Avenir Book" panose="02000503020000020003" pitchFamily="2" charset="0"/>
+              </a:rPr>
+              <a:t>Deedwania</a:t>
+            </a:r>
+            <a:r>
+              <a:rPr lang="en-US" sz="1400" dirty="0">
+                <a:latin typeface="Avenir Book" panose="02000503020000020003" pitchFamily="2" charset="0"/>
+              </a:rPr>
+              <a:t> (IIT Delhi) </a:t>
+            </a:r>
+          </a:p>
+        </p:txBody>
+      </p:sp>
+      <p:sp>
+        <p:nvSpPr>
+          <p:cNvPr id="10" name="Title 1">
+            <a:extLst>
+              <a:ext uri="{FF2B5EF4-FFF2-40B4-BE49-F238E27FC236}">
+                <a16:creationId xmlns:a16="http://schemas.microsoft.com/office/drawing/2014/main" id="{622C4901-7D8F-3148-BB66-6C803E3BFF47}"/>
+              </a:ext>
+            </a:extLst>
+          </p:cNvPr>
+          <p:cNvSpPr txBox="1">
+            <a:spLocks/>
+          </p:cNvSpPr>
+          <p:nvPr/>
+        </p:nvSpPr>
+        <p:spPr>
+          <a:xfrm>
+            <a:off x="133375" y="114728"/>
+            <a:ext cx="6575216" cy="1325563"/>
+          </a:xfrm>
+          <a:prstGeom prst="rect">
+            <a:avLst/>
+          </a:prstGeom>
+        </p:spPr>
+        <p:txBody>
+          <a:bodyPr vert="horz" lIns="91440" tIns="45720" rIns="91440" bIns="45720" rtlCol="0" anchor="ctr">
+            <a:normAutofit/>
+          </a:bodyPr>
+          <a:lstStyle>
+            <a:lvl1pPr algn="l" defTabSz="914400" rtl="0" eaLnBrk="1" latinLnBrk="0" hangingPunct="1">
+              <a:lnSpc>
+                <a:spcPct val="90000"/>
+              </a:lnSpc>
+              <a:spcBef>
+                <a:spcPct val="0"/>
+              </a:spcBef>
+              <a:buNone/>
+              <a:defRPr sz="4400" kern="1200">
+                <a:solidFill>
+                  <a:schemeClr val="tx1"/>
+                </a:solidFill>
+                <a:latin typeface="Avenir Book" panose="02000503020000020003" pitchFamily="2" charset="0"/>
+                <a:ea typeface="+mj-ea"/>
+                <a:cs typeface="+mj-cs"/>
+              </a:defRPr>
+            </a:lvl1pPr>
+          </a:lstStyle>
+          <a:p>
+            <a:r>
+              <a:rPr lang="en-US" sz="2400" dirty="0"/>
+              <a:t>Entire ATP Rheostat Model speeds up ssDNA export and causes more bound VirE2</a:t>
+            </a:r>
+          </a:p>
+        </p:txBody>
+      </p:sp>
+      <p:sp>
+        <p:nvSpPr>
+          <p:cNvPr id="12" name="TextBox 11">
+            <a:extLst>
+              <a:ext uri="{FF2B5EF4-FFF2-40B4-BE49-F238E27FC236}">
+                <a16:creationId xmlns:a16="http://schemas.microsoft.com/office/drawing/2014/main" id="{C364265A-59BD-7A4A-BC4F-E79384F25B3B}"/>
+              </a:ext>
+            </a:extLst>
+          </p:cNvPr>
+          <p:cNvSpPr txBox="1"/>
+          <p:nvPr/>
+        </p:nvSpPr>
+        <p:spPr>
+          <a:xfrm rot="16200000">
+            <a:off x="287419" y="3600758"/>
+            <a:ext cx="1553207" cy="276999"/>
+          </a:xfrm>
+          <a:prstGeom prst="rect">
+            <a:avLst/>
+          </a:prstGeom>
+          <a:solidFill>
+            <a:schemeClr val="bg1"/>
+          </a:solidFill>
+        </p:spPr>
+        <p:txBody>
+          <a:bodyPr wrap="square" rtlCol="0">
+            <a:spAutoFit/>
+          </a:bodyPr>
+          <a:lstStyle/>
+          <a:p>
+            <a:r>
+              <a:rPr lang="en-US" sz="1200" dirty="0">
+                <a:latin typeface="Avenir Book" panose="02000503020000020003" pitchFamily="2" charset="0"/>
+              </a:rPr>
+              <a:t>Concentration (nM)</a:t>
+            </a:r>
+          </a:p>
+        </p:txBody>
+      </p:sp>
+      <p:sp>
+        <p:nvSpPr>
+          <p:cNvPr id="13" name="TextBox 12">
+            <a:extLst>
+              <a:ext uri="{FF2B5EF4-FFF2-40B4-BE49-F238E27FC236}">
+                <a16:creationId xmlns:a16="http://schemas.microsoft.com/office/drawing/2014/main" id="{EC8550E1-D36F-C24B-923E-A08253CF1F70}"/>
+              </a:ext>
+            </a:extLst>
+          </p:cNvPr>
+          <p:cNvSpPr txBox="1"/>
+          <p:nvPr/>
+        </p:nvSpPr>
+        <p:spPr>
+          <a:xfrm rot="16200000">
+            <a:off x="4943905" y="3600758"/>
+            <a:ext cx="1553207" cy="276999"/>
+          </a:xfrm>
+          <a:prstGeom prst="rect">
+            <a:avLst/>
+          </a:prstGeom>
+          <a:solidFill>
+            <a:schemeClr val="bg1"/>
+          </a:solidFill>
+        </p:spPr>
+        <p:txBody>
+          <a:bodyPr wrap="square" rtlCol="0">
+            <a:spAutoFit/>
+          </a:bodyPr>
+          <a:lstStyle/>
+          <a:p>
+            <a:r>
+              <a:rPr lang="en-US" sz="1200" dirty="0">
+                <a:latin typeface="Avenir Book" panose="02000503020000020003" pitchFamily="2" charset="0"/>
+              </a:rPr>
+              <a:t>Concentration (nM)</a:t>
+            </a:r>
+          </a:p>
+        </p:txBody>
+      </p:sp>
+      <p:grpSp>
+        <p:nvGrpSpPr>
+          <p:cNvPr id="11" name="Group 10">
+            <a:extLst>
+              <a:ext uri="{FF2B5EF4-FFF2-40B4-BE49-F238E27FC236}">
+                <a16:creationId xmlns:a16="http://schemas.microsoft.com/office/drawing/2014/main" id="{1033D3F6-C727-CE48-99F9-2BE9B86DD947}"/>
+              </a:ext>
+            </a:extLst>
+          </p:cNvPr>
+          <p:cNvGrpSpPr/>
+          <p:nvPr/>
+        </p:nvGrpSpPr>
+        <p:grpSpPr>
+          <a:xfrm>
+            <a:off x="6708591" y="172243"/>
+            <a:ext cx="5302434" cy="1713843"/>
+            <a:chOff x="800100" y="1497806"/>
+            <a:chExt cx="5302434" cy="1713843"/>
+          </a:xfrm>
+        </p:grpSpPr>
+        <p:pic>
+          <p:nvPicPr>
+            <p:cNvPr id="15" name="Picture 14" descr="A picture containing game, table&#10;&#10;Description automatically generated">
+              <a:extLst>
+                <a:ext uri="{FF2B5EF4-FFF2-40B4-BE49-F238E27FC236}">
+                  <a16:creationId xmlns:a16="http://schemas.microsoft.com/office/drawing/2014/main" id="{E60361FF-EE38-8947-BB13-E746F1DBB23F}"/>
+                </a:ext>
+              </a:extLst>
+            </p:cNvPr>
+            <p:cNvPicPr>
+              <a:picLocks noChangeAspect="1"/>
+            </p:cNvPicPr>
+            <p:nvPr/>
+          </p:nvPicPr>
+          <p:blipFill>
+            <a:blip r:embed="rId5"/>
+            <a:stretch>
+              <a:fillRect/>
+            </a:stretch>
+          </p:blipFill>
+          <p:spPr>
+            <a:xfrm>
+              <a:off x="800100" y="1497806"/>
+              <a:ext cx="5295900" cy="1498600"/>
+            </a:xfrm>
+            <a:prstGeom prst="rect">
+              <a:avLst/>
+            </a:prstGeom>
+          </p:spPr>
+        </p:pic>
+        <p:sp>
+          <p:nvSpPr>
+            <p:cNvPr id="16" name="Rectangle 15">
+              <a:extLst>
+                <a:ext uri="{FF2B5EF4-FFF2-40B4-BE49-F238E27FC236}">
+                  <a16:creationId xmlns:a16="http://schemas.microsoft.com/office/drawing/2014/main" id="{4375AF5C-A0D1-9247-A4BD-13DA2C51B3EB}"/>
+                </a:ext>
+              </a:extLst>
+            </p:cNvPr>
+            <p:cNvSpPr/>
+            <p:nvPr/>
+          </p:nvSpPr>
+          <p:spPr>
+            <a:xfrm rot="21160187">
+              <a:off x="3224430" y="2724906"/>
+              <a:ext cx="2878104" cy="486743"/>
+            </a:xfrm>
+            <a:prstGeom prst="rect">
+              <a:avLst/>
+            </a:prstGeom>
+            <a:solidFill>
+              <a:schemeClr val="bg1"/>
+            </a:solidFill>
+            <a:ln>
+              <a:solidFill>
+                <a:schemeClr val="bg1"/>
+              </a:solidFill>
+            </a:ln>
+          </p:spPr>
+          <p:style>
+            <a:lnRef idx="2">
+              <a:schemeClr val="accent1">
+                <a:shade val="50000"/>
+              </a:schemeClr>
+            </a:lnRef>
+            <a:fillRef idx="1">
+              <a:schemeClr val="accent1"/>
+            </a:fillRef>
+            <a:effectRef idx="0">
+              <a:schemeClr val="accent1"/>
+            </a:effectRef>
+            <a:fontRef idx="minor">
+              <a:schemeClr val="lt1"/>
+            </a:fontRef>
+          </p:style>
+          <p:txBody>
+            <a:bodyPr rtlCol="0" anchor="ctr"/>
+            <a:lstStyle/>
+            <a:p>
+              <a:pPr algn="ctr"/>
+              <a:endParaRPr lang="en-US"/>
+            </a:p>
+          </p:txBody>
+        </p:sp>
+      </p:grpSp>
+    </p:spTree>
+    <p:extLst>
+      <p:ext uri="{BB962C8B-B14F-4D97-AF65-F5344CB8AC3E}">
+        <p14:creationId xmlns:p14="http://schemas.microsoft.com/office/powerpoint/2010/main" val="2156528358"/>
+      </p:ext>
+    </p:extLst>
+  </p:cSld>
+  <p:clrMapOvr>
+    <a:masterClrMapping/>
+  </p:clrMapOvr>
+</p:sld>
+</file>
+
+<file path=ppt/slides/slide13.xml><?xml version="1.0" encoding="utf-8"?>
+<p:sld xmlns:a="http://schemas.openxmlformats.org/drawingml/2006/main" xmlns:r="http://schemas.openxmlformats.org/officeDocument/2006/relationships" xmlns:p="http://schemas.openxmlformats.org/presentationml/2006/main">
+  <p:cSld>
+    <p:spTree>
+      <p:nvGrpSpPr>
+        <p:cNvPr id="1" name=""/>
+        <p:cNvGrpSpPr/>
+        <p:nvPr/>
+      </p:nvGrpSpPr>
+      <p:grpSpPr>
+        <a:xfrm>
+          <a:off x="0" y="0"/>
+          <a:ext cx="0" cy="0"/>
+          <a:chOff x="0" y="0"/>
+          <a:chExt cx="0" cy="0"/>
+        </a:xfrm>
+      </p:grpSpPr>
+      <p:sp>
+        <p:nvSpPr>
+          <p:cNvPr id="2" name="Title 1">
+            <a:extLst>
+              <a:ext uri="{FF2B5EF4-FFF2-40B4-BE49-F238E27FC236}">
                 <a16:creationId xmlns:a16="http://schemas.microsoft.com/office/drawing/2014/main" id="{7584399C-BE6D-A84D-A34B-71E3FCF862D8}"/>
               </a:ext>
             </a:extLst>
@@ -9021,7 +9685,7 @@
 </p:sld>
 </file>
 
-<file path=ppt/slides/slide12.xml><?xml version="1.0" encoding="utf-8"?>
+<file path=ppt/slides/slide14.xml><?xml version="1.0" encoding="utf-8"?>
 <p:sld xmlns:a="http://schemas.openxmlformats.org/drawingml/2006/main" xmlns:r="http://schemas.openxmlformats.org/officeDocument/2006/relationships" xmlns:p="http://schemas.openxmlformats.org/presentationml/2006/main">
   <p:cSld>
     <p:spTree>
@@ -9597,7 +10261,7 @@
 </p:sld>
 </file>
 
-<file path=ppt/slides/slide13.xml><?xml version="1.0" encoding="utf-8"?>
+<file path=ppt/slides/slide15.xml><?xml version="1.0" encoding="utf-8"?>
 <p:sld xmlns:a="http://schemas.openxmlformats.org/drawingml/2006/main" xmlns:r="http://schemas.openxmlformats.org/officeDocument/2006/relationships" xmlns:p="http://schemas.openxmlformats.org/presentationml/2006/main">
   <p:cSld>
     <p:spTree>
@@ -10326,7 +10990,7 @@
 </p:sld>
 </file>
 
-<file path=ppt/slides/slide14.xml><?xml version="1.0" encoding="utf-8"?>
+<file path=ppt/slides/slide16.xml><?xml version="1.0" encoding="utf-8"?>
 <p:sld xmlns:a="http://schemas.openxmlformats.org/drawingml/2006/main" xmlns:r="http://schemas.openxmlformats.org/officeDocument/2006/relationships" xmlns:p="http://schemas.openxmlformats.org/presentationml/2006/main">
   <p:cSld>
     <p:spTree>
@@ -11524,7 +12188,7 @@
 </p:sld>
 </file>
 
-<file path=ppt/slides/slide15.xml><?xml version="1.0" encoding="utf-8"?>
+<file path=ppt/slides/slide17.xml><?xml version="1.0" encoding="utf-8"?>
 <p:sld xmlns:a="http://schemas.openxmlformats.org/drawingml/2006/main" xmlns:r="http://schemas.openxmlformats.org/officeDocument/2006/relationships" xmlns:p="http://schemas.openxmlformats.org/presentationml/2006/main">
   <p:cSld>
     <p:spTree>
@@ -12213,253 +12877,7 @@
 </p:sld>
 </file>
 
-<file path=ppt/slides/slide16.xml><?xml version="1.0" encoding="utf-8"?>
-<p:sld xmlns:a="http://schemas.openxmlformats.org/drawingml/2006/main" xmlns:r="http://schemas.openxmlformats.org/officeDocument/2006/relationships" xmlns:p="http://schemas.openxmlformats.org/presentationml/2006/main">
-  <p:cSld>
-    <p:spTree>
-      <p:nvGrpSpPr>
-        <p:cNvPr id="1" name=""/>
-        <p:cNvGrpSpPr/>
-        <p:nvPr/>
-      </p:nvGrpSpPr>
-      <p:grpSpPr>
-        <a:xfrm>
-          <a:off x="0" y="0"/>
-          <a:ext cx="0" cy="0"/>
-          <a:chOff x="0" y="0"/>
-          <a:chExt cx="0" cy="0"/>
-        </a:xfrm>
-      </p:grpSpPr>
-      <p:sp>
-        <p:nvSpPr>
-          <p:cNvPr id="2" name="Title 1">
-            <a:extLst>
-              <a:ext uri="{FF2B5EF4-FFF2-40B4-BE49-F238E27FC236}">
-                <a16:creationId xmlns:a16="http://schemas.microsoft.com/office/drawing/2014/main" id="{31CBD292-12F9-4C4D-AB7F-B961FBCF1C7E}"/>
-              </a:ext>
-            </a:extLst>
-          </p:cNvPr>
-          <p:cNvSpPr>
-            <a:spLocks noGrp="1"/>
-          </p:cNvSpPr>
-          <p:nvPr>
-            <p:ph type="title"/>
-          </p:nvPr>
-        </p:nvSpPr>
-        <p:spPr>
-          <a:xfrm>
-            <a:off x="295280" y="263525"/>
-            <a:ext cx="10515600" cy="1325563"/>
-          </a:xfrm>
-        </p:spPr>
-        <p:txBody>
-          <a:bodyPr>
-            <a:normAutofit/>
-          </a:bodyPr>
-          <a:lstStyle/>
-          <a:p>
-            <a:r>
-              <a:rPr lang="en-US" sz="3200" b="1" dirty="0"/>
-              <a:t>Rheostat Model Output</a:t>
-            </a:r>
-          </a:p>
-        </p:txBody>
-      </p:sp>
-      <p:grpSp>
-        <p:nvGrpSpPr>
-          <p:cNvPr id="4" name="Group 3">
-            <a:extLst>
-              <a:ext uri="{FF2B5EF4-FFF2-40B4-BE49-F238E27FC236}">
-                <a16:creationId xmlns:a16="http://schemas.microsoft.com/office/drawing/2014/main" id="{D7BC36EF-02F5-FB44-9405-672EC9DCB4F3}"/>
-              </a:ext>
-            </a:extLst>
-          </p:cNvPr>
-          <p:cNvGrpSpPr/>
-          <p:nvPr/>
-        </p:nvGrpSpPr>
-        <p:grpSpPr>
-          <a:xfrm>
-            <a:off x="460357" y="2455322"/>
-            <a:ext cx="11506601" cy="2329568"/>
-            <a:chOff x="536557" y="3661822"/>
-            <a:chExt cx="11506601" cy="2329568"/>
-          </a:xfrm>
-        </p:grpSpPr>
-        <p:pic>
-          <p:nvPicPr>
-            <p:cNvPr id="5" name="Picture 4" descr="A close up of a map&#10;&#10;Description automatically generated">
-              <a:extLst>
-                <a:ext uri="{FF2B5EF4-FFF2-40B4-BE49-F238E27FC236}">
-                  <a16:creationId xmlns:a16="http://schemas.microsoft.com/office/drawing/2014/main" id="{A2F049C7-EA5D-D748-932D-3BB47C606A35}"/>
-                </a:ext>
-              </a:extLst>
-            </p:cNvPr>
-            <p:cNvPicPr>
-              <a:picLocks noChangeAspect="1"/>
-            </p:cNvPicPr>
-            <p:nvPr/>
-          </p:nvPicPr>
-          <p:blipFill>
-            <a:blip r:embed="rId3"/>
-            <a:stretch>
-              <a:fillRect/>
-            </a:stretch>
-          </p:blipFill>
-          <p:spPr>
-            <a:xfrm>
-              <a:off x="4869335" y="3705390"/>
-              <a:ext cx="4114800" cy="2286000"/>
-            </a:xfrm>
-            <a:prstGeom prst="rect">
-              <a:avLst/>
-            </a:prstGeom>
-          </p:spPr>
-        </p:pic>
-        <p:pic>
-          <p:nvPicPr>
-            <p:cNvPr id="6" name="Picture 5" descr="A screenshot of a cell phone&#10;&#10;Description automatically generated">
-              <a:extLst>
-                <a:ext uri="{FF2B5EF4-FFF2-40B4-BE49-F238E27FC236}">
-                  <a16:creationId xmlns:a16="http://schemas.microsoft.com/office/drawing/2014/main" id="{9CB57EE5-DE27-4243-8802-8F77C378DAE8}"/>
-                </a:ext>
-              </a:extLst>
-            </p:cNvPr>
-            <p:cNvPicPr>
-              <a:picLocks noChangeAspect="1"/>
-            </p:cNvPicPr>
-            <p:nvPr/>
-          </p:nvPicPr>
-          <p:blipFill>
-            <a:blip r:embed="rId4"/>
-            <a:stretch>
-              <a:fillRect/>
-            </a:stretch>
-          </p:blipFill>
-          <p:spPr>
-            <a:xfrm>
-              <a:off x="8932678" y="3795488"/>
-              <a:ext cx="1954402" cy="2028308"/>
-            </a:xfrm>
-            <a:prstGeom prst="rect">
-              <a:avLst/>
-            </a:prstGeom>
-          </p:spPr>
-        </p:pic>
-        <p:sp>
-          <p:nvSpPr>
-            <p:cNvPr id="7" name="TextBox 6">
-              <a:extLst>
-                <a:ext uri="{FF2B5EF4-FFF2-40B4-BE49-F238E27FC236}">
-                  <a16:creationId xmlns:a16="http://schemas.microsoft.com/office/drawing/2014/main" id="{41F65531-522B-EC44-BAEE-894066FD7E3B}"/>
-                </a:ext>
-              </a:extLst>
-            </p:cNvPr>
-            <p:cNvSpPr txBox="1"/>
-            <p:nvPr/>
-          </p:nvSpPr>
-          <p:spPr>
-            <a:xfrm>
-              <a:off x="6834487" y="5074862"/>
-              <a:ext cx="1054231" cy="276999"/>
-            </a:xfrm>
-            <a:prstGeom prst="rect">
-              <a:avLst/>
-            </a:prstGeom>
-            <a:noFill/>
-          </p:spPr>
-          <p:txBody>
-            <a:bodyPr wrap="square" rtlCol="0">
-              <a:spAutoFit/>
-            </a:bodyPr>
-            <a:lstStyle/>
-            <a:p>
-              <a:r>
-                <a:rPr lang="en-US" sz="1200" dirty="0">
-                  <a:solidFill>
-                    <a:srgbClr val="E53BDE"/>
-                  </a:solidFill>
-                  <a:latin typeface="Avenir Book" panose="02000503020000020003" pitchFamily="2" charset="0"/>
-                </a:rPr>
-                <a:t>414.6</a:t>
-              </a:r>
-            </a:p>
-          </p:txBody>
-        </p:sp>
-        <p:pic>
-          <p:nvPicPr>
-            <p:cNvPr id="8" name="Picture 7" descr="A screenshot of a cell phone&#10;&#10;Description automatically generated">
-              <a:extLst>
-                <a:ext uri="{FF2B5EF4-FFF2-40B4-BE49-F238E27FC236}">
-                  <a16:creationId xmlns:a16="http://schemas.microsoft.com/office/drawing/2014/main" id="{9CCD1CDA-C813-DD4A-A447-C871AD700BAD}"/>
-                </a:ext>
-              </a:extLst>
-            </p:cNvPr>
-            <p:cNvPicPr>
-              <a:picLocks noChangeAspect="1"/>
-            </p:cNvPicPr>
-            <p:nvPr/>
-          </p:nvPicPr>
-          <p:blipFill>
-            <a:blip r:embed="rId5"/>
-            <a:stretch>
-              <a:fillRect/>
-            </a:stretch>
-          </p:blipFill>
-          <p:spPr>
-            <a:xfrm>
-              <a:off x="536557" y="3705390"/>
-              <a:ext cx="4114800" cy="2286000"/>
-            </a:xfrm>
-            <a:prstGeom prst="rect">
-              <a:avLst/>
-            </a:prstGeom>
-          </p:spPr>
-        </p:pic>
-        <p:pic>
-          <p:nvPicPr>
-            <p:cNvPr id="9" name="Picture 8" descr="A picture containing knife&#10;&#10;Description automatically generated">
-              <a:extLst>
-                <a:ext uri="{FF2B5EF4-FFF2-40B4-BE49-F238E27FC236}">
-                  <a16:creationId xmlns:a16="http://schemas.microsoft.com/office/drawing/2014/main" id="{6D9FE994-015B-CC40-A275-591E0F6393C8}"/>
-                </a:ext>
-              </a:extLst>
-            </p:cNvPr>
-            <p:cNvPicPr>
-              <a:picLocks noChangeAspect="1"/>
-            </p:cNvPicPr>
-            <p:nvPr/>
-          </p:nvPicPr>
-          <p:blipFill>
-            <a:blip r:embed="rId6"/>
-            <a:stretch>
-              <a:fillRect/>
-            </a:stretch>
-          </p:blipFill>
-          <p:spPr>
-            <a:xfrm>
-              <a:off x="10831045" y="3661822"/>
-              <a:ext cx="1212113" cy="2294687"/>
-            </a:xfrm>
-            <a:prstGeom prst="rect">
-              <a:avLst/>
-            </a:prstGeom>
-          </p:spPr>
-        </p:pic>
-      </p:grpSp>
-    </p:spTree>
-    <p:extLst>
-      <p:ext uri="{BB962C8B-B14F-4D97-AF65-F5344CB8AC3E}">
-        <p14:creationId xmlns:p14="http://schemas.microsoft.com/office/powerpoint/2010/main" val="1779961955"/>
-      </p:ext>
-    </p:extLst>
-  </p:cSld>
-  <p:clrMapOvr>
-    <a:masterClrMapping/>
-  </p:clrMapOvr>
-</p:sld>
-</file>
-
-<file path=ppt/slides/slide17.xml><?xml version="1.0" encoding="utf-8"?>
+<file path=ppt/slides/slide18.xml><?xml version="1.0" encoding="utf-8"?>
 <p:sld xmlns:a="http://schemas.openxmlformats.org/drawingml/2006/main" xmlns:r="http://schemas.openxmlformats.org/officeDocument/2006/relationships" xmlns:p="http://schemas.openxmlformats.org/presentationml/2006/main">
   <p:cSld>
     <p:spTree>
@@ -13153,7 +13571,7 @@
 </p:sld>
 </file>
 
-<file path=ppt/slides/slide18.xml><?xml version="1.0" encoding="utf-8"?>
+<file path=ppt/slides/slide19.xml><?xml version="1.0" encoding="utf-8"?>
 <p:sld xmlns:a="http://schemas.openxmlformats.org/drawingml/2006/main" xmlns:r="http://schemas.openxmlformats.org/officeDocument/2006/relationships" xmlns:p="http://schemas.openxmlformats.org/presentationml/2006/main">
   <p:cSld>
     <p:spTree>
@@ -13533,7 +13951,95 @@
 </p:sld>
 </file>
 
-<file path=ppt/slides/slide19.xml><?xml version="1.0" encoding="utf-8"?>
+<file path=ppt/slides/slide2.xml><?xml version="1.0" encoding="utf-8"?>
+<p:sld xmlns:a="http://schemas.openxmlformats.org/drawingml/2006/main" xmlns:r="http://schemas.openxmlformats.org/officeDocument/2006/relationships" xmlns:p="http://schemas.openxmlformats.org/presentationml/2006/main">
+  <p:cSld>
+    <p:spTree>
+      <p:nvGrpSpPr>
+        <p:cNvPr id="1" name=""/>
+        <p:cNvGrpSpPr/>
+        <p:nvPr/>
+      </p:nvGrpSpPr>
+      <p:grpSpPr>
+        <a:xfrm>
+          <a:off x="0" y="0"/>
+          <a:ext cx="0" cy="0"/>
+          <a:chOff x="0" y="0"/>
+          <a:chExt cx="0" cy="0"/>
+        </a:xfrm>
+      </p:grpSpPr>
+      <p:sp>
+        <p:nvSpPr>
+          <p:cNvPr id="4" name="Title 3">
+            <a:extLst>
+              <a:ext uri="{FF2B5EF4-FFF2-40B4-BE49-F238E27FC236}">
+                <a16:creationId xmlns:a16="http://schemas.microsoft.com/office/drawing/2014/main" id="{E4779695-E9AC-604C-8A6F-9F5D912F2344}"/>
+              </a:ext>
+            </a:extLst>
+          </p:cNvPr>
+          <p:cNvSpPr>
+            <a:spLocks noGrp="1"/>
+          </p:cNvSpPr>
+          <p:nvPr>
+            <p:ph type="title"/>
+          </p:nvPr>
+        </p:nvSpPr>
+        <p:spPr/>
+        <p:txBody>
+          <a:bodyPr>
+            <a:normAutofit/>
+          </a:bodyPr>
+          <a:lstStyle/>
+          <a:p>
+            <a:r>
+              <a:rPr lang="en-US" sz="4800" dirty="0"/>
+              <a:t>Summaries</a:t>
+            </a:r>
+          </a:p>
+        </p:txBody>
+      </p:sp>
+      <p:sp>
+        <p:nvSpPr>
+          <p:cNvPr id="5" name="Text Placeholder 4">
+            <a:extLst>
+              <a:ext uri="{FF2B5EF4-FFF2-40B4-BE49-F238E27FC236}">
+                <a16:creationId xmlns:a16="http://schemas.microsoft.com/office/drawing/2014/main" id="{E2DF285A-7D25-8D4D-BF80-3869FC0F8518}"/>
+              </a:ext>
+            </a:extLst>
+          </p:cNvPr>
+          <p:cNvSpPr>
+            <a:spLocks noGrp="1"/>
+          </p:cNvSpPr>
+          <p:nvPr>
+            <p:ph type="body" idx="1"/>
+          </p:nvPr>
+        </p:nvSpPr>
+        <p:spPr/>
+        <p:txBody>
+          <a:bodyPr/>
+          <a:lstStyle/>
+          <a:p>
+            <a:r>
+              <a:rPr lang="en-US" dirty="0"/>
+              <a:t>8.21.2020</a:t>
+            </a:r>
+          </a:p>
+        </p:txBody>
+      </p:sp>
+    </p:spTree>
+    <p:extLst>
+      <p:ext uri="{BB962C8B-B14F-4D97-AF65-F5344CB8AC3E}">
+        <p14:creationId xmlns:p14="http://schemas.microsoft.com/office/powerpoint/2010/main" val="148272130"/>
+      </p:ext>
+    </p:extLst>
+  </p:cSld>
+  <p:clrMapOvr>
+    <a:masterClrMapping/>
+  </p:clrMapOvr>
+</p:sld>
+</file>
+
+<file path=ppt/slides/slide20.xml><?xml version="1.0" encoding="utf-8"?>
 <p:sld xmlns:a="http://schemas.openxmlformats.org/drawingml/2006/main" xmlns:r="http://schemas.openxmlformats.org/officeDocument/2006/relationships" xmlns:p="http://schemas.openxmlformats.org/presentationml/2006/main">
   <p:cSld>
     <p:spTree>
@@ -13985,412 +14491,6 @@
       </p:par>
     </p:tnLst>
   </p:timing>
-</p:sld>
-</file>
-
-<file path=ppt/slides/slide2.xml><?xml version="1.0" encoding="utf-8"?>
-<p:sld xmlns:a="http://schemas.openxmlformats.org/drawingml/2006/main" xmlns:r="http://schemas.openxmlformats.org/officeDocument/2006/relationships" xmlns:p="http://schemas.openxmlformats.org/presentationml/2006/main">
-  <p:cSld>
-    <p:spTree>
-      <p:nvGrpSpPr>
-        <p:cNvPr id="1" name=""/>
-        <p:cNvGrpSpPr/>
-        <p:nvPr/>
-      </p:nvGrpSpPr>
-      <p:grpSpPr>
-        <a:xfrm>
-          <a:off x="0" y="0"/>
-          <a:ext cx="0" cy="0"/>
-          <a:chOff x="0" y="0"/>
-          <a:chExt cx="0" cy="0"/>
-        </a:xfrm>
-      </p:grpSpPr>
-      <p:sp>
-        <p:nvSpPr>
-          <p:cNvPr id="4" name="Title 3">
-            <a:extLst>
-              <a:ext uri="{FF2B5EF4-FFF2-40B4-BE49-F238E27FC236}">
-                <a16:creationId xmlns:a16="http://schemas.microsoft.com/office/drawing/2014/main" id="{E4779695-E9AC-604C-8A6F-9F5D912F2344}"/>
-              </a:ext>
-            </a:extLst>
-          </p:cNvPr>
-          <p:cNvSpPr>
-            <a:spLocks noGrp="1"/>
-          </p:cNvSpPr>
-          <p:nvPr>
-            <p:ph type="title"/>
-          </p:nvPr>
-        </p:nvSpPr>
-        <p:spPr/>
-        <p:txBody>
-          <a:bodyPr>
-            <a:normAutofit/>
-          </a:bodyPr>
-          <a:lstStyle/>
-          <a:p>
-            <a:r>
-              <a:rPr lang="en-US" sz="4800" dirty="0"/>
-              <a:t>Summaries</a:t>
-            </a:r>
-          </a:p>
-        </p:txBody>
-      </p:sp>
-      <p:sp>
-        <p:nvSpPr>
-          <p:cNvPr id="5" name="Text Placeholder 4">
-            <a:extLst>
-              <a:ext uri="{FF2B5EF4-FFF2-40B4-BE49-F238E27FC236}">
-                <a16:creationId xmlns:a16="http://schemas.microsoft.com/office/drawing/2014/main" id="{E2DF285A-7D25-8D4D-BF80-3869FC0F8518}"/>
-              </a:ext>
-            </a:extLst>
-          </p:cNvPr>
-          <p:cNvSpPr>
-            <a:spLocks noGrp="1"/>
-          </p:cNvSpPr>
-          <p:nvPr>
-            <p:ph type="body" idx="1"/>
-          </p:nvPr>
-        </p:nvSpPr>
-        <p:spPr/>
-        <p:txBody>
-          <a:bodyPr/>
-          <a:lstStyle/>
-          <a:p>
-            <a:r>
-              <a:rPr lang="en-US" dirty="0"/>
-              <a:t>8.21.2020</a:t>
-            </a:r>
-          </a:p>
-        </p:txBody>
-      </p:sp>
-    </p:spTree>
-    <p:extLst>
-      <p:ext uri="{BB962C8B-B14F-4D97-AF65-F5344CB8AC3E}">
-        <p14:creationId xmlns:p14="http://schemas.microsoft.com/office/powerpoint/2010/main" val="148272130"/>
-      </p:ext>
-    </p:extLst>
-  </p:cSld>
-  <p:clrMapOvr>
-    <a:masterClrMapping/>
-  </p:clrMapOvr>
-</p:sld>
-</file>
-
-<file path=ppt/slides/slide20.xml><?xml version="1.0" encoding="utf-8"?>
-<p:sld xmlns:a="http://schemas.openxmlformats.org/drawingml/2006/main" xmlns:r="http://schemas.openxmlformats.org/officeDocument/2006/relationships" xmlns:p="http://schemas.openxmlformats.org/presentationml/2006/main">
-  <p:cSld>
-    <p:spTree>
-      <p:nvGrpSpPr>
-        <p:cNvPr id="1" name=""/>
-        <p:cNvGrpSpPr/>
-        <p:nvPr/>
-      </p:nvGrpSpPr>
-      <p:grpSpPr>
-        <a:xfrm>
-          <a:off x="0" y="0"/>
-          <a:ext cx="0" cy="0"/>
-          <a:chOff x="0" y="0"/>
-          <a:chExt cx="0" cy="0"/>
-        </a:xfrm>
-      </p:grpSpPr>
-      <p:pic>
-        <p:nvPicPr>
-          <p:cNvPr id="5" name="Picture 4" descr="A close up of a map&#10;&#10;Description automatically generated">
-            <a:extLst>
-              <a:ext uri="{FF2B5EF4-FFF2-40B4-BE49-F238E27FC236}">
-                <a16:creationId xmlns:a16="http://schemas.microsoft.com/office/drawing/2014/main" id="{D4861B5C-53A1-0346-BA2A-B6568956724C}"/>
-              </a:ext>
-            </a:extLst>
-          </p:cNvPr>
-          <p:cNvPicPr>
-            <a:picLocks noChangeAspect="1"/>
-          </p:cNvPicPr>
-          <p:nvPr/>
-        </p:nvPicPr>
-        <p:blipFill>
-          <a:blip r:embed="rId3"/>
-          <a:stretch>
-            <a:fillRect/>
-          </a:stretch>
-        </p:blipFill>
-        <p:spPr>
-          <a:xfrm>
-            <a:off x="5652655" y="1966100"/>
-            <a:ext cx="4389120" cy="3657600"/>
-          </a:xfrm>
-          <a:prstGeom prst="rect">
-            <a:avLst/>
-          </a:prstGeom>
-        </p:spPr>
-      </p:pic>
-      <p:pic>
-        <p:nvPicPr>
-          <p:cNvPr id="7" name="Picture 6" descr="A close up of a map&#10;&#10;Description automatically generated">
-            <a:extLst>
-              <a:ext uri="{FF2B5EF4-FFF2-40B4-BE49-F238E27FC236}">
-                <a16:creationId xmlns:a16="http://schemas.microsoft.com/office/drawing/2014/main" id="{39F9905E-FCEE-A542-8896-E096A70EE7C3}"/>
-              </a:ext>
-            </a:extLst>
-          </p:cNvPr>
-          <p:cNvPicPr>
-            <a:picLocks noChangeAspect="1"/>
-          </p:cNvPicPr>
-          <p:nvPr/>
-        </p:nvPicPr>
-        <p:blipFill>
-          <a:blip r:embed="rId4"/>
-          <a:stretch>
-            <a:fillRect/>
-          </a:stretch>
-        </p:blipFill>
-        <p:spPr>
-          <a:xfrm>
-            <a:off x="1002055" y="1966100"/>
-            <a:ext cx="4389120" cy="3657600"/>
-          </a:xfrm>
-          <a:prstGeom prst="rect">
-            <a:avLst/>
-          </a:prstGeom>
-        </p:spPr>
-      </p:pic>
-      <p:sp>
-        <p:nvSpPr>
-          <p:cNvPr id="9" name="TextBox 8">
-            <a:extLst>
-              <a:ext uri="{FF2B5EF4-FFF2-40B4-BE49-F238E27FC236}">
-                <a16:creationId xmlns:a16="http://schemas.microsoft.com/office/drawing/2014/main" id="{2D0179AD-0848-2146-86FD-8BBB1360E0A4}"/>
-              </a:ext>
-            </a:extLst>
-          </p:cNvPr>
-          <p:cNvSpPr txBox="1"/>
-          <p:nvPr/>
-        </p:nvSpPr>
-        <p:spPr>
-          <a:xfrm>
-            <a:off x="0" y="6596390"/>
-            <a:ext cx="4655442" cy="307777"/>
-          </a:xfrm>
-          <a:prstGeom prst="rect">
-            <a:avLst/>
-          </a:prstGeom>
-          <a:noFill/>
-        </p:spPr>
-        <p:txBody>
-          <a:bodyPr wrap="none" rtlCol="0">
-            <a:spAutoFit/>
-          </a:bodyPr>
-          <a:lstStyle/>
-          <a:p>
-            <a:r>
-              <a:rPr lang="en-US" sz="1400" dirty="0">
-                <a:latin typeface="Avenir Book" panose="02000503020000020003" pitchFamily="2" charset="0"/>
-              </a:rPr>
-              <a:t>Export model courtesy of </a:t>
-            </a:r>
-            <a:r>
-              <a:rPr lang="en-US" sz="1400" dirty="0" err="1">
-                <a:latin typeface="Avenir Book" panose="02000503020000020003" pitchFamily="2" charset="0"/>
-              </a:rPr>
-              <a:t>Agrima</a:t>
-            </a:r>
-            <a:r>
-              <a:rPr lang="en-US" sz="1400" dirty="0">
-                <a:latin typeface="Avenir Book" panose="02000503020000020003" pitchFamily="2" charset="0"/>
-              </a:rPr>
-              <a:t> </a:t>
-            </a:r>
-            <a:r>
-              <a:rPr lang="en-US" sz="1400" dirty="0" err="1">
-                <a:latin typeface="Avenir Book" panose="02000503020000020003" pitchFamily="2" charset="0"/>
-              </a:rPr>
-              <a:t>Deedwania</a:t>
-            </a:r>
-            <a:r>
-              <a:rPr lang="en-US" sz="1400" dirty="0">
-                <a:latin typeface="Avenir Book" panose="02000503020000020003" pitchFamily="2" charset="0"/>
-              </a:rPr>
-              <a:t> (IIT Delhi) </a:t>
-            </a:r>
-          </a:p>
-        </p:txBody>
-      </p:sp>
-      <p:sp>
-        <p:nvSpPr>
-          <p:cNvPr id="10" name="Title 1">
-            <a:extLst>
-              <a:ext uri="{FF2B5EF4-FFF2-40B4-BE49-F238E27FC236}">
-                <a16:creationId xmlns:a16="http://schemas.microsoft.com/office/drawing/2014/main" id="{622C4901-7D8F-3148-BB66-6C803E3BFF47}"/>
-              </a:ext>
-            </a:extLst>
-          </p:cNvPr>
-          <p:cNvSpPr txBox="1">
-            <a:spLocks/>
-          </p:cNvSpPr>
-          <p:nvPr/>
-        </p:nvSpPr>
-        <p:spPr>
-          <a:xfrm>
-            <a:off x="133375" y="114728"/>
-            <a:ext cx="10515600" cy="1325563"/>
-          </a:xfrm>
-          <a:prstGeom prst="rect">
-            <a:avLst/>
-          </a:prstGeom>
-        </p:spPr>
-        <p:txBody>
-          <a:bodyPr vert="horz" lIns="91440" tIns="45720" rIns="91440" bIns="45720" rtlCol="0" anchor="ctr">
-            <a:normAutofit/>
-          </a:bodyPr>
-          <a:lstStyle>
-            <a:lvl1pPr algn="l" defTabSz="914400" rtl="0" eaLnBrk="1" latinLnBrk="0" hangingPunct="1">
-              <a:lnSpc>
-                <a:spcPct val="90000"/>
-              </a:lnSpc>
-              <a:spcBef>
-                <a:spcPct val="0"/>
-              </a:spcBef>
-              <a:buNone/>
-              <a:defRPr sz="4400" kern="1200">
-                <a:solidFill>
-                  <a:schemeClr val="tx1"/>
-                </a:solidFill>
-                <a:latin typeface="Avenir Book" panose="02000503020000020003" pitchFamily="2" charset="0"/>
-                <a:ea typeface="+mj-ea"/>
-                <a:cs typeface="+mj-cs"/>
-              </a:defRPr>
-            </a:lvl1pPr>
-          </a:lstStyle>
-          <a:p>
-            <a:r>
-              <a:rPr lang="en-US" sz="2800" dirty="0"/>
-              <a:t>Entire ATP Rheostat Model speeds up ssDNA export and causes more bound VirE2</a:t>
-            </a:r>
-          </a:p>
-        </p:txBody>
-      </p:sp>
-      <p:sp>
-        <p:nvSpPr>
-          <p:cNvPr id="12" name="TextBox 11">
-            <a:extLst>
-              <a:ext uri="{FF2B5EF4-FFF2-40B4-BE49-F238E27FC236}">
-                <a16:creationId xmlns:a16="http://schemas.microsoft.com/office/drawing/2014/main" id="{C364265A-59BD-7A4A-BC4F-E79384F25B3B}"/>
-              </a:ext>
-            </a:extLst>
-          </p:cNvPr>
-          <p:cNvSpPr txBox="1"/>
-          <p:nvPr/>
-        </p:nvSpPr>
-        <p:spPr>
-          <a:xfrm rot="16200000">
-            <a:off x="287419" y="3600758"/>
-            <a:ext cx="1553207" cy="276999"/>
-          </a:xfrm>
-          <a:prstGeom prst="rect">
-            <a:avLst/>
-          </a:prstGeom>
-          <a:solidFill>
-            <a:schemeClr val="bg1"/>
-          </a:solidFill>
-        </p:spPr>
-        <p:txBody>
-          <a:bodyPr wrap="square" rtlCol="0">
-            <a:spAutoFit/>
-          </a:bodyPr>
-          <a:lstStyle/>
-          <a:p>
-            <a:r>
-              <a:rPr lang="en-US" sz="1200" dirty="0">
-                <a:latin typeface="Avenir Book" panose="02000503020000020003" pitchFamily="2" charset="0"/>
-              </a:rPr>
-              <a:t>Concentration (nM)</a:t>
-            </a:r>
-          </a:p>
-        </p:txBody>
-      </p:sp>
-      <p:sp>
-        <p:nvSpPr>
-          <p:cNvPr id="13" name="TextBox 12">
-            <a:extLst>
-              <a:ext uri="{FF2B5EF4-FFF2-40B4-BE49-F238E27FC236}">
-                <a16:creationId xmlns:a16="http://schemas.microsoft.com/office/drawing/2014/main" id="{EC8550E1-D36F-C24B-923E-A08253CF1F70}"/>
-              </a:ext>
-            </a:extLst>
-          </p:cNvPr>
-          <p:cNvSpPr txBox="1"/>
-          <p:nvPr/>
-        </p:nvSpPr>
-        <p:spPr>
-          <a:xfrm rot="16200000">
-            <a:off x="4943905" y="3600758"/>
-            <a:ext cx="1553207" cy="276999"/>
-          </a:xfrm>
-          <a:prstGeom prst="rect">
-            <a:avLst/>
-          </a:prstGeom>
-          <a:solidFill>
-            <a:schemeClr val="bg1"/>
-          </a:solidFill>
-        </p:spPr>
-        <p:txBody>
-          <a:bodyPr wrap="square" rtlCol="0">
-            <a:spAutoFit/>
-          </a:bodyPr>
-          <a:lstStyle/>
-          <a:p>
-            <a:r>
-              <a:rPr lang="en-US" sz="1200" dirty="0">
-                <a:latin typeface="Avenir Book" panose="02000503020000020003" pitchFamily="2" charset="0"/>
-              </a:rPr>
-              <a:t>Concentration (nM)</a:t>
-            </a:r>
-          </a:p>
-        </p:txBody>
-      </p:sp>
-      <p:pic>
-        <p:nvPicPr>
-          <p:cNvPr id="14" name="Picture 13" descr="A picture containing clock&#10;&#10;Description automatically generated">
-            <a:extLst>
-              <a:ext uri="{FF2B5EF4-FFF2-40B4-BE49-F238E27FC236}">
-                <a16:creationId xmlns:a16="http://schemas.microsoft.com/office/drawing/2014/main" id="{9F5BE619-E8D7-F840-B8CF-43FB8368AE9E}"/>
-              </a:ext>
-            </a:extLst>
-          </p:cNvPr>
-          <p:cNvPicPr>
-            <a:picLocks noChangeAspect="1"/>
-          </p:cNvPicPr>
-          <p:nvPr/>
-        </p:nvPicPr>
-        <p:blipFill rotWithShape="1">
-          <a:blip r:embed="rId5">
-            <a:extLst>
-              <a:ext uri="{28A0092B-C50C-407E-A947-70E740481C1C}">
-                <a14:useLocalDpi xmlns:a14="http://schemas.microsoft.com/office/drawing/2010/main" val="0"/>
-              </a:ext>
-            </a:extLst>
-          </a:blip>
-          <a:srcRect t="4587"/>
-          <a:stretch/>
-        </p:blipFill>
-        <p:spPr>
-          <a:xfrm>
-            <a:off x="5420751" y="5637309"/>
-            <a:ext cx="3424482" cy="939703"/>
-          </a:xfrm>
-          <a:prstGeom prst="rect">
-            <a:avLst/>
-          </a:prstGeom>
-        </p:spPr>
-      </p:pic>
-    </p:spTree>
-    <p:extLst>
-      <p:ext uri="{BB962C8B-B14F-4D97-AF65-F5344CB8AC3E}">
-        <p14:creationId xmlns:p14="http://schemas.microsoft.com/office/powerpoint/2010/main" val="2156528358"/>
-      </p:ext>
-    </p:extLst>
-  </p:cSld>
-  <p:clrMapOvr>
-    <a:masterClrMapping/>
-  </p:clrMapOvr>
 </p:sld>
 </file>
 
@@ -17291,8 +17391,8 @@
         </p:nvSpPr>
         <p:spPr>
           <a:xfrm>
-            <a:off x="162951" y="67836"/>
-            <a:ext cx="10515600" cy="1325563"/>
+            <a:off x="162950" y="67836"/>
+            <a:ext cx="6597661" cy="1325563"/>
           </a:xfrm>
         </p:spPr>
         <p:txBody>
@@ -17302,7 +17402,7 @@
           <a:lstStyle/>
           <a:p>
             <a:r>
-              <a:rPr lang="en-US" sz="2800" dirty="0"/>
+              <a:rPr lang="en-US" sz="2400" dirty="0"/>
               <a:t>Entire ATP Synthase Model speeds up ssDNA export and causes more bound VirE2</a:t>
             </a:r>
           </a:p>
@@ -17429,41 +17529,433 @@
           </a:p>
         </p:txBody>
       </p:sp>
-      <p:pic>
-        <p:nvPicPr>
-          <p:cNvPr id="9" name="Picture 8" descr="A picture containing clock&#10;&#10;Description automatically generated">
+      <p:grpSp>
+        <p:nvGrpSpPr>
+          <p:cNvPr id="7" name="Group 6">
             <a:extLst>
               <a:ext uri="{FF2B5EF4-FFF2-40B4-BE49-F238E27FC236}">
-                <a16:creationId xmlns:a16="http://schemas.microsoft.com/office/drawing/2014/main" id="{9AFBCDB9-D4D1-FA4E-8BDA-7F040766A88A}"/>
+                <a16:creationId xmlns:a16="http://schemas.microsoft.com/office/drawing/2014/main" id="{2428C52E-9C10-9846-B981-67DD35458D7D}"/>
               </a:ext>
             </a:extLst>
           </p:cNvPr>
-          <p:cNvPicPr>
-            <a:picLocks noChangeAspect="1"/>
-          </p:cNvPicPr>
+          <p:cNvGrpSpPr/>
           <p:nvPr/>
-        </p:nvPicPr>
-        <p:blipFill rotWithShape="1">
-          <a:blip r:embed="rId5">
+        </p:nvGrpSpPr>
+        <p:grpSpPr>
+          <a:xfrm>
+            <a:off x="6584371" y="257212"/>
+            <a:ext cx="5333405" cy="1498600"/>
+            <a:chOff x="6584371" y="257212"/>
+            <a:chExt cx="5333405" cy="1498600"/>
+          </a:xfrm>
+        </p:grpSpPr>
+        <p:grpSp>
+          <p:nvGrpSpPr>
+            <p:cNvPr id="8" name="Group 7">
+              <a:extLst>
+                <a:ext uri="{FF2B5EF4-FFF2-40B4-BE49-F238E27FC236}">
+                  <a16:creationId xmlns:a16="http://schemas.microsoft.com/office/drawing/2014/main" id="{BC75A5D4-88FD-7D4C-994C-11694E5AC69F}"/>
+                </a:ext>
+              </a:extLst>
+            </p:cNvPr>
+            <p:cNvGrpSpPr/>
+            <p:nvPr/>
+          </p:nvGrpSpPr>
+          <p:grpSpPr>
+            <a:xfrm>
+              <a:off x="6584371" y="257212"/>
+              <a:ext cx="5295900" cy="1498600"/>
+              <a:chOff x="6584371" y="159608"/>
+              <a:chExt cx="5295900" cy="1498600"/>
+            </a:xfrm>
+          </p:grpSpPr>
+          <p:pic>
+            <p:nvPicPr>
+              <p:cNvPr id="14" name="Picture 13" descr="A picture containing game&#10;&#10;Description automatically generated">
+                <a:extLst>
+                  <a:ext uri="{FF2B5EF4-FFF2-40B4-BE49-F238E27FC236}">
+                    <a16:creationId xmlns:a16="http://schemas.microsoft.com/office/drawing/2014/main" id="{9548FF78-6857-8D4E-A874-2B9778B45232}"/>
+                  </a:ext>
+                </a:extLst>
+              </p:cNvPr>
+              <p:cNvPicPr>
+                <a:picLocks noChangeAspect="1"/>
+              </p:cNvPicPr>
+              <p:nvPr/>
+            </p:nvPicPr>
+            <p:blipFill>
+              <a:blip r:embed="rId5"/>
+              <a:stretch>
+                <a:fillRect/>
+              </a:stretch>
+            </p:blipFill>
+            <p:spPr>
+              <a:xfrm>
+                <a:off x="6584371" y="159608"/>
+                <a:ext cx="5295900" cy="1498600"/>
+              </a:xfrm>
+              <a:prstGeom prst="rect">
+                <a:avLst/>
+              </a:prstGeom>
+            </p:spPr>
+          </p:pic>
+          <p:sp>
+            <p:nvSpPr>
+              <p:cNvPr id="15" name="Freeform 14">
+                <a:extLst>
+                  <a:ext uri="{FF2B5EF4-FFF2-40B4-BE49-F238E27FC236}">
+                    <a16:creationId xmlns:a16="http://schemas.microsoft.com/office/drawing/2014/main" id="{F4FD3372-B386-F64E-830A-D1EA0AA25EBE}"/>
+                  </a:ext>
+                </a:extLst>
+              </p:cNvPr>
+              <p:cNvSpPr/>
+              <p:nvPr/>
+            </p:nvSpPr>
+            <p:spPr>
+              <a:xfrm rot="16200000">
+                <a:off x="6979933" y="511256"/>
+                <a:ext cx="350677" cy="330135"/>
+              </a:xfrm>
+              <a:custGeom>
+                <a:avLst/>
+                <a:gdLst>
+                  <a:gd name="connsiteX0" fmla="*/ 678425 w 781664"/>
+                  <a:gd name="connsiteY0" fmla="*/ 0 h 752168"/>
+                  <a:gd name="connsiteX1" fmla="*/ 294967 w 781664"/>
+                  <a:gd name="connsiteY1" fmla="*/ 442451 h 752168"/>
+                  <a:gd name="connsiteX2" fmla="*/ 0 w 781664"/>
+                  <a:gd name="connsiteY2" fmla="*/ 427703 h 752168"/>
+                  <a:gd name="connsiteX3" fmla="*/ 398206 w 781664"/>
+                  <a:gd name="connsiteY3" fmla="*/ 752168 h 752168"/>
+                  <a:gd name="connsiteX4" fmla="*/ 398206 w 781664"/>
+                  <a:gd name="connsiteY4" fmla="*/ 545690 h 752168"/>
+                  <a:gd name="connsiteX5" fmla="*/ 781664 w 781664"/>
+                  <a:gd name="connsiteY5" fmla="*/ 103239 h 752168"/>
+                  <a:gd name="connsiteX6" fmla="*/ 678425 w 781664"/>
+                  <a:gd name="connsiteY6" fmla="*/ 0 h 752168"/>
+                </a:gdLst>
+                <a:ahLst/>
+                <a:cxnLst>
+                  <a:cxn ang="0">
+                    <a:pos x="connsiteX0" y="connsiteY0"/>
+                  </a:cxn>
+                  <a:cxn ang="0">
+                    <a:pos x="connsiteX1" y="connsiteY1"/>
+                  </a:cxn>
+                  <a:cxn ang="0">
+                    <a:pos x="connsiteX2" y="connsiteY2"/>
+                  </a:cxn>
+                  <a:cxn ang="0">
+                    <a:pos x="connsiteX3" y="connsiteY3"/>
+                  </a:cxn>
+                  <a:cxn ang="0">
+                    <a:pos x="connsiteX4" y="connsiteY4"/>
+                  </a:cxn>
+                  <a:cxn ang="0">
+                    <a:pos x="connsiteX5" y="connsiteY5"/>
+                  </a:cxn>
+                  <a:cxn ang="0">
+                    <a:pos x="connsiteX6" y="connsiteY6"/>
+                  </a:cxn>
+                </a:cxnLst>
+                <a:rect l="l" t="t" r="r" b="b"/>
+                <a:pathLst>
+                  <a:path w="781664" h="752168">
+                    <a:moveTo>
+                      <a:pt x="678425" y="0"/>
+                    </a:moveTo>
+                    <a:lnTo>
+                      <a:pt x="294967" y="442451"/>
+                    </a:lnTo>
+                    <a:lnTo>
+                      <a:pt x="0" y="427703"/>
+                    </a:lnTo>
+                    <a:lnTo>
+                      <a:pt x="398206" y="752168"/>
+                    </a:lnTo>
+                    <a:lnTo>
+                      <a:pt x="398206" y="545690"/>
+                    </a:lnTo>
+                    <a:lnTo>
+                      <a:pt x="781664" y="103239"/>
+                    </a:lnTo>
+                    <a:lnTo>
+                      <a:pt x="678425" y="0"/>
+                    </a:lnTo>
+                    <a:close/>
+                  </a:path>
+                </a:pathLst>
+              </a:custGeom>
+              <a:solidFill>
+                <a:schemeClr val="bg1"/>
+              </a:solidFill>
+              <a:ln w="19050">
+                <a:solidFill>
+                  <a:srgbClr val="7030A0"/>
+                </a:solidFill>
+              </a:ln>
+            </p:spPr>
+            <p:style>
+              <a:lnRef idx="2">
+                <a:schemeClr val="accent1">
+                  <a:shade val="50000"/>
+                </a:schemeClr>
+              </a:lnRef>
+              <a:fillRef idx="1">
+                <a:schemeClr val="accent1"/>
+              </a:fillRef>
+              <a:effectRef idx="0">
+                <a:schemeClr val="accent1"/>
+              </a:effectRef>
+              <a:fontRef idx="minor">
+                <a:schemeClr val="lt1"/>
+              </a:fontRef>
+            </p:style>
+            <p:txBody>
+              <a:bodyPr rtlCol="0" anchor="ctr"/>
+              <a:lstStyle/>
+              <a:p>
+                <a:pPr algn="ctr"/>
+                <a:endParaRPr lang="en-US" dirty="0"/>
+              </a:p>
+            </p:txBody>
+          </p:sp>
+          <p:sp>
+            <p:nvSpPr>
+              <p:cNvPr id="17" name="Rounded Rectangle 16">
+                <a:extLst>
+                  <a:ext uri="{FF2B5EF4-FFF2-40B4-BE49-F238E27FC236}">
+                    <a16:creationId xmlns:a16="http://schemas.microsoft.com/office/drawing/2014/main" id="{52BF548A-8690-E44B-BB5E-5185B39B6359}"/>
+                  </a:ext>
+                </a:extLst>
+              </p:cNvPr>
+              <p:cNvSpPr/>
+              <p:nvPr/>
+            </p:nvSpPr>
+            <p:spPr>
+              <a:xfrm rot="3088366">
+                <a:off x="7979750" y="364960"/>
+                <a:ext cx="76725" cy="346730"/>
+              </a:xfrm>
+              <a:prstGeom prst="roundRect">
+                <a:avLst/>
+              </a:prstGeom>
+              <a:noFill/>
+              <a:ln w="28575">
+                <a:solidFill>
+                  <a:srgbClr val="00B050"/>
+                </a:solidFill>
+              </a:ln>
+            </p:spPr>
+            <p:style>
+              <a:lnRef idx="2">
+                <a:schemeClr val="accent1">
+                  <a:shade val="50000"/>
+                </a:schemeClr>
+              </a:lnRef>
+              <a:fillRef idx="1">
+                <a:schemeClr val="accent1"/>
+              </a:fillRef>
+              <a:effectRef idx="0">
+                <a:schemeClr val="accent1"/>
+              </a:effectRef>
+              <a:fontRef idx="minor">
+                <a:schemeClr val="lt1"/>
+              </a:fontRef>
+            </p:style>
+            <p:txBody>
+              <a:bodyPr rtlCol="0" anchor="ctr"/>
+              <a:lstStyle/>
+              <a:p>
+                <a:pPr algn="ctr"/>
+                <a:endParaRPr lang="en-US"/>
+              </a:p>
+            </p:txBody>
+          </p:sp>
+          <p:sp>
+            <p:nvSpPr>
+              <p:cNvPr id="18" name="TextBox 17">
+                <a:extLst>
+                  <a:ext uri="{FF2B5EF4-FFF2-40B4-BE49-F238E27FC236}">
+                    <a16:creationId xmlns:a16="http://schemas.microsoft.com/office/drawing/2014/main" id="{3BADB4D5-C0B3-4644-AFDB-AF4CFD4CE647}"/>
+                  </a:ext>
+                </a:extLst>
+              </p:cNvPr>
+              <p:cNvSpPr txBox="1"/>
+              <p:nvPr/>
+            </p:nvSpPr>
+            <p:spPr>
+              <a:xfrm>
+                <a:off x="7155271" y="743439"/>
+                <a:ext cx="394660" cy="230832"/>
+              </a:xfrm>
+              <a:prstGeom prst="rect">
+                <a:avLst/>
+              </a:prstGeom>
+              <a:noFill/>
+            </p:spPr>
+            <p:txBody>
+              <a:bodyPr wrap="square" rtlCol="0">
+                <a:spAutoFit/>
+              </a:bodyPr>
+              <a:lstStyle/>
+              <a:p>
+                <a:r>
+                  <a:rPr lang="en-US" sz="900" dirty="0">
+                    <a:latin typeface="Avenir Book" panose="02000503020000020003" pitchFamily="2" charset="0"/>
+                  </a:rPr>
+                  <a:t>ATP</a:t>
+                </a:r>
+              </a:p>
+            </p:txBody>
+          </p:sp>
+        </p:grpSp>
+        <p:sp>
+          <p:nvSpPr>
+            <p:cNvPr id="10" name="Rectangle 9">
+              <a:extLst>
+                <a:ext uri="{FF2B5EF4-FFF2-40B4-BE49-F238E27FC236}">
+                  <a16:creationId xmlns:a16="http://schemas.microsoft.com/office/drawing/2014/main" id="{34F61874-6C77-D447-ACA2-0653517EA569}"/>
+                </a:ext>
+              </a:extLst>
+            </p:cNvPr>
+            <p:cNvSpPr/>
+            <p:nvPr/>
+          </p:nvSpPr>
+          <p:spPr>
+            <a:xfrm rot="21157354">
+              <a:off x="9041355" y="1456083"/>
+              <a:ext cx="2732926" cy="285108"/>
+            </a:xfrm>
+            <a:prstGeom prst="rect">
+              <a:avLst/>
+            </a:prstGeom>
+            <a:solidFill>
+              <a:schemeClr val="bg1"/>
+            </a:solidFill>
+            <a:ln>
+              <a:solidFill>
+                <a:schemeClr val="bg1"/>
+              </a:solidFill>
+            </a:ln>
+          </p:spPr>
+          <p:style>
+            <a:lnRef idx="2">
+              <a:schemeClr val="accent1">
+                <a:shade val="50000"/>
+              </a:schemeClr>
+            </a:lnRef>
+            <a:fillRef idx="1">
+              <a:schemeClr val="accent1"/>
+            </a:fillRef>
+            <a:effectRef idx="0">
+              <a:schemeClr val="accent1"/>
+            </a:effectRef>
+            <a:fontRef idx="minor">
+              <a:schemeClr val="lt1"/>
+            </a:fontRef>
+          </p:style>
+          <p:txBody>
+            <a:bodyPr rtlCol="0" anchor="ctr"/>
+            <a:lstStyle/>
+            <a:p>
+              <a:pPr algn="ctr"/>
+              <a:endParaRPr lang="en-US"/>
+            </a:p>
+          </p:txBody>
+        </p:sp>
+        <p:sp>
+          <p:nvSpPr>
+            <p:cNvPr id="12" name="Rectangle 11">
+              <a:extLst>
+                <a:ext uri="{FF2B5EF4-FFF2-40B4-BE49-F238E27FC236}">
+                  <a16:creationId xmlns:a16="http://schemas.microsoft.com/office/drawing/2014/main" id="{54B6D72C-757E-E740-B431-3C6BD5D6627D}"/>
+                </a:ext>
+              </a:extLst>
+            </p:cNvPr>
+            <p:cNvSpPr/>
+            <p:nvPr/>
+          </p:nvSpPr>
+          <p:spPr>
+            <a:xfrm rot="21157354">
+              <a:off x="11039419" y="1489494"/>
+              <a:ext cx="878357" cy="265977"/>
+            </a:xfrm>
+            <a:prstGeom prst="rect">
+              <a:avLst/>
+            </a:prstGeom>
+            <a:solidFill>
+              <a:schemeClr val="bg1"/>
+            </a:solidFill>
+            <a:ln>
+              <a:solidFill>
+                <a:schemeClr val="bg1"/>
+              </a:solidFill>
+            </a:ln>
+          </p:spPr>
+          <p:style>
+            <a:lnRef idx="2">
+              <a:schemeClr val="accent1">
+                <a:shade val="50000"/>
+              </a:schemeClr>
+            </a:lnRef>
+            <a:fillRef idx="1">
+              <a:schemeClr val="accent1"/>
+            </a:fillRef>
+            <a:effectRef idx="0">
+              <a:schemeClr val="accent1"/>
+            </a:effectRef>
+            <a:fontRef idx="minor">
+              <a:schemeClr val="lt1"/>
+            </a:fontRef>
+          </p:style>
+          <p:txBody>
+            <a:bodyPr rtlCol="0" anchor="ctr"/>
+            <a:lstStyle/>
+            <a:p>
+              <a:pPr algn="ctr"/>
+              <a:endParaRPr lang="en-US"/>
+            </a:p>
+          </p:txBody>
+        </p:sp>
+      </p:grpSp>
+      <p:sp>
+        <p:nvSpPr>
+          <p:cNvPr id="19" name="TextBox 18">
             <a:extLst>
-              <a:ext uri="{28A0092B-C50C-407E-A947-70E740481C1C}">
-                <a14:useLocalDpi xmlns:a14="http://schemas.microsoft.com/office/drawing/2010/main" val="0"/>
+              <a:ext uri="{FF2B5EF4-FFF2-40B4-BE49-F238E27FC236}">
+                <a16:creationId xmlns:a16="http://schemas.microsoft.com/office/drawing/2014/main" id="{9FE6F128-C72B-6343-82C4-37E47B52A968}"/>
               </a:ext>
             </a:extLst>
-          </a:blip>
-          <a:srcRect t="4587"/>
-          <a:stretch/>
-        </p:blipFill>
+          </p:cNvPr>
+          <p:cNvSpPr txBox="1"/>
+          <p:nvPr/>
+        </p:nvSpPr>
         <p:spPr>
           <a:xfrm>
-            <a:off x="5420751" y="5637309"/>
-            <a:ext cx="3424482" cy="939703"/>
+            <a:off x="694946" y="5870539"/>
+            <a:ext cx="4862891" cy="369332"/>
           </a:xfrm>
           <a:prstGeom prst="rect">
             <a:avLst/>
           </a:prstGeom>
+          <a:noFill/>
         </p:spPr>
-      </p:pic>
+        <p:txBody>
+          <a:bodyPr wrap="square" rtlCol="0">
+            <a:spAutoFit/>
+          </a:bodyPr>
+          <a:lstStyle/>
+          <a:p>
+            <a:r>
+              <a:rPr lang="en-US" b="1" dirty="0">
+                <a:latin typeface="Avenir Book" panose="02000503020000020003" pitchFamily="2" charset="0"/>
+              </a:rPr>
+              <a:t>Faster ssDNA export and more bound VirE2!</a:t>
+            </a:r>
+          </a:p>
+        </p:txBody>
+      </p:sp>
     </p:spTree>
     <p:extLst>
       <p:ext uri="{BB962C8B-B14F-4D97-AF65-F5344CB8AC3E}">
@@ -18133,6 +18625,65 @@
           </a:p>
         </p:txBody>
       </p:sp>
+      <p:pic>
+        <p:nvPicPr>
+          <p:cNvPr id="17" name="Picture 16" descr="A picture containing drawing&#10;&#10;Description automatically generated">
+            <a:extLst>
+              <a:ext uri="{FF2B5EF4-FFF2-40B4-BE49-F238E27FC236}">
+                <a16:creationId xmlns:a16="http://schemas.microsoft.com/office/drawing/2014/main" id="{6D970BB6-5170-F64F-A217-9F47A471E2C1}"/>
+              </a:ext>
+            </a:extLst>
+          </p:cNvPr>
+          <p:cNvPicPr>
+            <a:picLocks noChangeAspect="1"/>
+          </p:cNvPicPr>
+          <p:nvPr/>
+        </p:nvPicPr>
+        <p:blipFill rotWithShape="1">
+          <a:blip r:embed="rId5"/>
+          <a:srcRect l="48213" r="6998" b="4488"/>
+          <a:stretch/>
+        </p:blipFill>
+        <p:spPr>
+          <a:xfrm>
+            <a:off x="9946283" y="3253368"/>
+            <a:ext cx="294393" cy="858960"/>
+          </a:xfrm>
+          <a:prstGeom prst="rect">
+            <a:avLst/>
+          </a:prstGeom>
+        </p:spPr>
+      </p:pic>
+      <p:pic>
+        <p:nvPicPr>
+          <p:cNvPr id="20" name="Picture 19" descr="A picture containing food, drawing&#10;&#10;Description automatically generated">
+            <a:extLst>
+              <a:ext uri="{FF2B5EF4-FFF2-40B4-BE49-F238E27FC236}">
+                <a16:creationId xmlns:a16="http://schemas.microsoft.com/office/drawing/2014/main" id="{8F4F638E-B4BC-CD44-81B3-7F9F36548131}"/>
+              </a:ext>
+            </a:extLst>
+          </p:cNvPr>
+          <p:cNvPicPr>
+            <a:picLocks noChangeAspect="1"/>
+          </p:cNvPicPr>
+          <p:nvPr/>
+        </p:nvPicPr>
+        <p:blipFill>
+          <a:blip r:embed="rId6"/>
+          <a:stretch>
+            <a:fillRect/>
+          </a:stretch>
+        </p:blipFill>
+        <p:spPr>
+          <a:xfrm rot="18661440">
+            <a:off x="10319043" y="3919496"/>
+            <a:ext cx="209544" cy="231482"/>
+          </a:xfrm>
+          <a:prstGeom prst="rect">
+            <a:avLst/>
+          </a:prstGeom>
+        </p:spPr>
+      </p:pic>
     </p:spTree>
     <p:extLst>
       <p:ext uri="{BB962C8B-B14F-4D97-AF65-F5344CB8AC3E}">
@@ -18655,41 +19206,6 @@
           </a:fontRef>
         </p:style>
       </p:cxnSp>
-      <p:pic>
-        <p:nvPicPr>
-          <p:cNvPr id="36" name="Picture 35" descr="A picture containing clock&#10;&#10;Description automatically generated">
-            <a:extLst>
-              <a:ext uri="{FF2B5EF4-FFF2-40B4-BE49-F238E27FC236}">
-                <a16:creationId xmlns:a16="http://schemas.microsoft.com/office/drawing/2014/main" id="{1CFD5400-B77D-4749-A37A-C29C26939A4B}"/>
-              </a:ext>
-            </a:extLst>
-          </p:cNvPr>
-          <p:cNvPicPr>
-            <a:picLocks noChangeAspect="1"/>
-          </p:cNvPicPr>
-          <p:nvPr/>
-        </p:nvPicPr>
-        <p:blipFill rotWithShape="1">
-          <a:blip r:embed="rId8">
-            <a:extLst>
-              <a:ext uri="{28A0092B-C50C-407E-A947-70E740481C1C}">
-                <a14:useLocalDpi xmlns:a14="http://schemas.microsoft.com/office/drawing/2010/main" val="0"/>
-              </a:ext>
-            </a:extLst>
-          </a:blip>
-          <a:srcRect t="4587"/>
-          <a:stretch/>
-        </p:blipFill>
-        <p:spPr>
-          <a:xfrm>
-            <a:off x="6065051" y="3416688"/>
-            <a:ext cx="3424482" cy="939703"/>
-          </a:xfrm>
-          <a:prstGeom prst="rect">
-            <a:avLst/>
-          </a:prstGeom>
-        </p:spPr>
-      </p:pic>
       <p:sp>
         <p:nvSpPr>
           <p:cNvPr id="37" name="Title 1">
@@ -18759,7 +19275,7 @@
           <p:nvPr/>
         </p:nvPicPr>
         <p:blipFill>
-          <a:blip r:embed="rId9">
+          <a:blip r:embed="rId8">
             <a:extLst>
               <a:ext uri="{28A0092B-C50C-407E-A947-70E740481C1C}">
                 <a14:useLocalDpi xmlns:a14="http://schemas.microsoft.com/office/drawing/2010/main" val="0"/>
@@ -18795,7 +19311,7 @@
           <p:nvPr/>
         </p:nvPicPr>
         <p:blipFill>
-          <a:blip r:embed="rId10"/>
+          <a:blip r:embed="rId9"/>
           <a:stretch>
             <a:fillRect/>
           </a:stretch>
@@ -19051,6 +19567,114 @@
           </a:p>
         </p:txBody>
       </p:sp>
+      <p:grpSp>
+        <p:nvGrpSpPr>
+          <p:cNvPr id="8" name="Group 7">
+            <a:extLst>
+              <a:ext uri="{FF2B5EF4-FFF2-40B4-BE49-F238E27FC236}">
+                <a16:creationId xmlns:a16="http://schemas.microsoft.com/office/drawing/2014/main" id="{EE0C9A89-D9B0-C144-BC0B-6C6900D337B5}"/>
+              </a:ext>
+            </a:extLst>
+          </p:cNvPr>
+          <p:cNvGrpSpPr/>
+          <p:nvPr/>
+        </p:nvGrpSpPr>
+        <p:grpSpPr>
+          <a:xfrm>
+            <a:off x="6245511" y="3262707"/>
+            <a:ext cx="4311179" cy="1027970"/>
+            <a:chOff x="6245511" y="3262707"/>
+            <a:chExt cx="4311179" cy="1027970"/>
+          </a:xfrm>
+        </p:grpSpPr>
+        <p:pic>
+          <p:nvPicPr>
+            <p:cNvPr id="26" name="Picture 25" descr="A picture containing game, table&#10;&#10;Description automatically generated">
+              <a:extLst>
+                <a:ext uri="{FF2B5EF4-FFF2-40B4-BE49-F238E27FC236}">
+                  <a16:creationId xmlns:a16="http://schemas.microsoft.com/office/drawing/2014/main" id="{04F0EC90-685F-6549-92B6-55014BB3AB14}"/>
+                </a:ext>
+              </a:extLst>
+            </p:cNvPr>
+            <p:cNvPicPr>
+              <a:picLocks noChangeAspect="1"/>
+            </p:cNvPicPr>
+            <p:nvPr/>
+          </p:nvPicPr>
+          <p:blipFill rotWithShape="1">
+            <a:blip r:embed="rId10"/>
+            <a:srcRect b="9304"/>
+            <a:stretch/>
+          </p:blipFill>
+          <p:spPr>
+            <a:xfrm>
+              <a:off x="6245511" y="3262707"/>
+              <a:ext cx="4311179" cy="995680"/>
+            </a:xfrm>
+            <a:prstGeom prst="rect">
+              <a:avLst/>
+            </a:prstGeom>
+          </p:spPr>
+        </p:pic>
+        <p:sp>
+          <p:nvSpPr>
+            <p:cNvPr id="4" name="Diagonal Stripe 3">
+              <a:extLst>
+                <a:ext uri="{FF2B5EF4-FFF2-40B4-BE49-F238E27FC236}">
+                  <a16:creationId xmlns:a16="http://schemas.microsoft.com/office/drawing/2014/main" id="{E536FFF6-8C8C-5D44-A8FE-317C09D24700}"/>
+                </a:ext>
+              </a:extLst>
+            </p:cNvPr>
+            <p:cNvSpPr/>
+            <p:nvPr/>
+          </p:nvSpPr>
+          <p:spPr>
+            <a:xfrm>
+              <a:off x="9048490" y="4129277"/>
+              <a:ext cx="1425039" cy="161400"/>
+            </a:xfrm>
+            <a:prstGeom prst="diagStripe">
+              <a:avLst/>
+            </a:prstGeom>
+            <a:solidFill>
+              <a:schemeClr val="bg1"/>
+            </a:solidFill>
+            <a:ln>
+              <a:solidFill>
+                <a:schemeClr val="bg1"/>
+              </a:solidFill>
+            </a:ln>
+          </p:spPr>
+          <p:style>
+            <a:lnRef idx="2">
+              <a:schemeClr val="accent1">
+                <a:shade val="50000"/>
+              </a:schemeClr>
+            </a:lnRef>
+            <a:fillRef idx="1">
+              <a:schemeClr val="accent1"/>
+            </a:fillRef>
+            <a:effectRef idx="0">
+              <a:schemeClr val="accent1"/>
+            </a:effectRef>
+            <a:fontRef idx="minor">
+              <a:schemeClr val="lt1"/>
+            </a:fontRef>
+          </p:style>
+          <p:txBody>
+            <a:bodyPr rtlCol="0" anchor="ctr"/>
+            <a:lstStyle/>
+            <a:p>
+              <a:pPr algn="ctr"/>
+              <a:endParaRPr lang="en-US">
+                <a:solidFill>
+                  <a:schemeClr val="tx1"/>
+                </a:solidFill>
+              </a:endParaRPr>
+            </a:p>
+          </p:txBody>
+        </p:sp>
+      </p:grpSp>
     </p:spTree>
     <p:extLst>
       <p:ext uri="{BB962C8B-B14F-4D97-AF65-F5344CB8AC3E}">
@@ -19376,41 +20000,6 @@
           </a:fontRef>
         </p:style>
       </p:cxnSp>
-      <p:pic>
-        <p:nvPicPr>
-          <p:cNvPr id="11" name="Picture 10" descr="A picture containing clock&#10;&#10;Description automatically generated">
-            <a:extLst>
-              <a:ext uri="{FF2B5EF4-FFF2-40B4-BE49-F238E27FC236}">
-                <a16:creationId xmlns:a16="http://schemas.microsoft.com/office/drawing/2014/main" id="{7107940B-1B48-7F42-BFD5-658E042B8EF7}"/>
-              </a:ext>
-            </a:extLst>
-          </p:cNvPr>
-          <p:cNvPicPr>
-            <a:picLocks noChangeAspect="1"/>
-          </p:cNvPicPr>
-          <p:nvPr/>
-        </p:nvPicPr>
-        <p:blipFill rotWithShape="1">
-          <a:blip r:embed="rId4">
-            <a:extLst>
-              <a:ext uri="{28A0092B-C50C-407E-A947-70E740481C1C}">
-                <a14:useLocalDpi xmlns:a14="http://schemas.microsoft.com/office/drawing/2010/main" val="0"/>
-              </a:ext>
-            </a:extLst>
-          </a:blip>
-          <a:srcRect t="4587"/>
-          <a:stretch/>
-        </p:blipFill>
-        <p:spPr>
-          <a:xfrm>
-            <a:off x="7930487" y="1314874"/>
-            <a:ext cx="3424482" cy="939703"/>
-          </a:xfrm>
-          <a:prstGeom prst="rect">
-            <a:avLst/>
-          </a:prstGeom>
-        </p:spPr>
-      </p:pic>
       <p:sp>
         <p:nvSpPr>
           <p:cNvPr id="12" name="Title 1">
@@ -19480,7 +20069,7 @@
           <p:nvPr/>
         </p:nvPicPr>
         <p:blipFill>
-          <a:blip r:embed="rId5">
+          <a:blip r:embed="rId4">
             <a:extLst>
               <a:ext uri="{28A0092B-C50C-407E-A947-70E740481C1C}">
                 <a14:useLocalDpi xmlns:a14="http://schemas.microsoft.com/office/drawing/2010/main" val="0"/>
@@ -19516,7 +20105,7 @@
           <p:nvPr/>
         </p:nvPicPr>
         <p:blipFill>
-          <a:blip r:embed="rId6">
+          <a:blip r:embed="rId5">
             <a:extLst>
               <a:ext uri="{28A0092B-C50C-407E-A947-70E740481C1C}">
                 <a14:useLocalDpi xmlns:a14="http://schemas.microsoft.com/office/drawing/2010/main" val="0"/>
@@ -19605,10 +20194,10 @@
         </p:nvGrpSpPr>
         <p:grpSpPr>
           <a:xfrm>
-            <a:off x="3714509" y="4313333"/>
-            <a:ext cx="3073624" cy="1604210"/>
+            <a:off x="3714509" y="4313334"/>
+            <a:ext cx="3073624" cy="1589472"/>
             <a:chOff x="34646265" y="20243403"/>
-            <a:chExt cx="3850947" cy="2484447"/>
+            <a:chExt cx="3850947" cy="2461622"/>
           </a:xfrm>
         </p:grpSpPr>
         <p:sp>
@@ -19826,7 +20415,7 @@
           </p:nvSpPr>
           <p:spPr>
             <a:xfrm>
-              <a:off x="36733818" y="21715313"/>
+              <a:off x="36733818" y="21692488"/>
               <a:ext cx="1311002" cy="1012537"/>
             </a:xfrm>
             <a:prstGeom prst="roundRect">
@@ -20017,15 +20606,15 @@
           <p:nvPr/>
         </p:nvPicPr>
         <p:blipFill>
-          <a:blip r:embed="rId7"/>
+          <a:blip r:embed="rId6"/>
           <a:stretch>
             <a:fillRect/>
           </a:stretch>
         </p:blipFill>
         <p:spPr>
           <a:xfrm>
-            <a:off x="7061839" y="4665999"/>
-            <a:ext cx="2433611" cy="1892808"/>
+            <a:off x="6860263" y="4480205"/>
+            <a:ext cx="2633466" cy="2048251"/>
           </a:xfrm>
           <a:prstGeom prst="rect">
             <a:avLst/>
@@ -20047,15 +20636,15 @@
           <p:nvPr/>
         </p:nvPicPr>
         <p:blipFill>
-          <a:blip r:embed="rId8"/>
+          <a:blip r:embed="rId7"/>
           <a:stretch>
             <a:fillRect/>
           </a:stretch>
         </p:blipFill>
         <p:spPr>
           <a:xfrm>
-            <a:off x="9505818" y="4645515"/>
-            <a:ext cx="2428118" cy="1888536"/>
+            <a:off x="9397656" y="4485800"/>
+            <a:ext cx="2627522" cy="2043628"/>
           </a:xfrm>
           <a:prstGeom prst="rect">
             <a:avLst/>
@@ -20206,7 +20795,7 @@
           <p:nvPr/>
         </p:nvPicPr>
         <p:blipFill>
-          <a:blip r:embed="rId9"/>
+          <a:blip r:embed="rId8"/>
           <a:stretch>
             <a:fillRect/>
           </a:stretch>
@@ -20221,6 +20810,396 @@
           </a:prstGeom>
         </p:spPr>
       </p:pic>
+      <p:grpSp>
+        <p:nvGrpSpPr>
+          <p:cNvPr id="35" name="Group 34">
+            <a:extLst>
+              <a:ext uri="{FF2B5EF4-FFF2-40B4-BE49-F238E27FC236}">
+                <a16:creationId xmlns:a16="http://schemas.microsoft.com/office/drawing/2014/main" id="{D4F18510-AF66-7A44-8D62-C373F1A343F1}"/>
+              </a:ext>
+            </a:extLst>
+          </p:cNvPr>
+          <p:cNvGrpSpPr/>
+          <p:nvPr/>
+        </p:nvGrpSpPr>
+        <p:grpSpPr>
+          <a:xfrm>
+            <a:off x="7633088" y="1173821"/>
+            <a:ext cx="4199050" cy="1138295"/>
+            <a:chOff x="6584371" y="257212"/>
+            <a:chExt cx="5333405" cy="1498600"/>
+          </a:xfrm>
+        </p:grpSpPr>
+        <p:grpSp>
+          <p:nvGrpSpPr>
+            <p:cNvPr id="36" name="Group 35">
+              <a:extLst>
+                <a:ext uri="{FF2B5EF4-FFF2-40B4-BE49-F238E27FC236}">
+                  <a16:creationId xmlns:a16="http://schemas.microsoft.com/office/drawing/2014/main" id="{22E9B3CE-A12D-8445-8A9A-68582C589DED}"/>
+                </a:ext>
+              </a:extLst>
+            </p:cNvPr>
+            <p:cNvGrpSpPr/>
+            <p:nvPr/>
+          </p:nvGrpSpPr>
+          <p:grpSpPr>
+            <a:xfrm>
+              <a:off x="6584371" y="257212"/>
+              <a:ext cx="5295900" cy="1498600"/>
+              <a:chOff x="6584371" y="159608"/>
+              <a:chExt cx="5295900" cy="1498600"/>
+            </a:xfrm>
+          </p:grpSpPr>
+          <p:pic>
+            <p:nvPicPr>
+              <p:cNvPr id="39" name="Picture 38" descr="A picture containing game&#10;&#10;Description automatically generated">
+                <a:extLst>
+                  <a:ext uri="{FF2B5EF4-FFF2-40B4-BE49-F238E27FC236}">
+                    <a16:creationId xmlns:a16="http://schemas.microsoft.com/office/drawing/2014/main" id="{46895AD6-4241-EA49-879C-4769633B371A}"/>
+                  </a:ext>
+                </a:extLst>
+              </p:cNvPr>
+              <p:cNvPicPr>
+                <a:picLocks noChangeAspect="1"/>
+              </p:cNvPicPr>
+              <p:nvPr/>
+            </p:nvPicPr>
+            <p:blipFill>
+              <a:blip r:embed="rId9"/>
+              <a:stretch>
+                <a:fillRect/>
+              </a:stretch>
+            </p:blipFill>
+            <p:spPr>
+              <a:xfrm>
+                <a:off x="6584371" y="159608"/>
+                <a:ext cx="5295900" cy="1498600"/>
+              </a:xfrm>
+              <a:prstGeom prst="rect">
+                <a:avLst/>
+              </a:prstGeom>
+            </p:spPr>
+          </p:pic>
+          <p:sp>
+            <p:nvSpPr>
+              <p:cNvPr id="40" name="Freeform 39">
+                <a:extLst>
+                  <a:ext uri="{FF2B5EF4-FFF2-40B4-BE49-F238E27FC236}">
+                    <a16:creationId xmlns:a16="http://schemas.microsoft.com/office/drawing/2014/main" id="{EBA26507-F5EA-BE48-BF2F-2AB515F7215F}"/>
+                  </a:ext>
+                </a:extLst>
+              </p:cNvPr>
+              <p:cNvSpPr/>
+              <p:nvPr/>
+            </p:nvSpPr>
+            <p:spPr>
+              <a:xfrm rot="16200000">
+                <a:off x="6979933" y="511256"/>
+                <a:ext cx="350677" cy="330135"/>
+              </a:xfrm>
+              <a:custGeom>
+                <a:avLst/>
+                <a:gdLst>
+                  <a:gd name="connsiteX0" fmla="*/ 678425 w 781664"/>
+                  <a:gd name="connsiteY0" fmla="*/ 0 h 752168"/>
+                  <a:gd name="connsiteX1" fmla="*/ 294967 w 781664"/>
+                  <a:gd name="connsiteY1" fmla="*/ 442451 h 752168"/>
+                  <a:gd name="connsiteX2" fmla="*/ 0 w 781664"/>
+                  <a:gd name="connsiteY2" fmla="*/ 427703 h 752168"/>
+                  <a:gd name="connsiteX3" fmla="*/ 398206 w 781664"/>
+                  <a:gd name="connsiteY3" fmla="*/ 752168 h 752168"/>
+                  <a:gd name="connsiteX4" fmla="*/ 398206 w 781664"/>
+                  <a:gd name="connsiteY4" fmla="*/ 545690 h 752168"/>
+                  <a:gd name="connsiteX5" fmla="*/ 781664 w 781664"/>
+                  <a:gd name="connsiteY5" fmla="*/ 103239 h 752168"/>
+                  <a:gd name="connsiteX6" fmla="*/ 678425 w 781664"/>
+                  <a:gd name="connsiteY6" fmla="*/ 0 h 752168"/>
+                </a:gdLst>
+                <a:ahLst/>
+                <a:cxnLst>
+                  <a:cxn ang="0">
+                    <a:pos x="connsiteX0" y="connsiteY0"/>
+                  </a:cxn>
+                  <a:cxn ang="0">
+                    <a:pos x="connsiteX1" y="connsiteY1"/>
+                  </a:cxn>
+                  <a:cxn ang="0">
+                    <a:pos x="connsiteX2" y="connsiteY2"/>
+                  </a:cxn>
+                  <a:cxn ang="0">
+                    <a:pos x="connsiteX3" y="connsiteY3"/>
+                  </a:cxn>
+                  <a:cxn ang="0">
+                    <a:pos x="connsiteX4" y="connsiteY4"/>
+                  </a:cxn>
+                  <a:cxn ang="0">
+                    <a:pos x="connsiteX5" y="connsiteY5"/>
+                  </a:cxn>
+                  <a:cxn ang="0">
+                    <a:pos x="connsiteX6" y="connsiteY6"/>
+                  </a:cxn>
+                </a:cxnLst>
+                <a:rect l="l" t="t" r="r" b="b"/>
+                <a:pathLst>
+                  <a:path w="781664" h="752168">
+                    <a:moveTo>
+                      <a:pt x="678425" y="0"/>
+                    </a:moveTo>
+                    <a:lnTo>
+                      <a:pt x="294967" y="442451"/>
+                    </a:lnTo>
+                    <a:lnTo>
+                      <a:pt x="0" y="427703"/>
+                    </a:lnTo>
+                    <a:lnTo>
+                      <a:pt x="398206" y="752168"/>
+                    </a:lnTo>
+                    <a:lnTo>
+                      <a:pt x="398206" y="545690"/>
+                    </a:lnTo>
+                    <a:lnTo>
+                      <a:pt x="781664" y="103239"/>
+                    </a:lnTo>
+                    <a:lnTo>
+                      <a:pt x="678425" y="0"/>
+                    </a:lnTo>
+                    <a:close/>
+                  </a:path>
+                </a:pathLst>
+              </a:custGeom>
+              <a:solidFill>
+                <a:schemeClr val="bg1"/>
+              </a:solidFill>
+              <a:ln w="19050">
+                <a:solidFill>
+                  <a:srgbClr val="7030A0"/>
+                </a:solidFill>
+              </a:ln>
+            </p:spPr>
+            <p:style>
+              <a:lnRef idx="2">
+                <a:schemeClr val="accent1">
+                  <a:shade val="50000"/>
+                </a:schemeClr>
+              </a:lnRef>
+              <a:fillRef idx="1">
+                <a:schemeClr val="accent1"/>
+              </a:fillRef>
+              <a:effectRef idx="0">
+                <a:schemeClr val="accent1"/>
+              </a:effectRef>
+              <a:fontRef idx="minor">
+                <a:schemeClr val="lt1"/>
+              </a:fontRef>
+            </p:style>
+            <p:txBody>
+              <a:bodyPr rtlCol="0" anchor="ctr"/>
+              <a:lstStyle/>
+              <a:p>
+                <a:pPr algn="ctr"/>
+                <a:endParaRPr lang="en-US" dirty="0"/>
+              </a:p>
+            </p:txBody>
+          </p:sp>
+          <p:sp>
+            <p:nvSpPr>
+              <p:cNvPr id="42" name="Rounded Rectangle 41">
+                <a:extLst>
+                  <a:ext uri="{FF2B5EF4-FFF2-40B4-BE49-F238E27FC236}">
+                    <a16:creationId xmlns:a16="http://schemas.microsoft.com/office/drawing/2014/main" id="{B479287F-B99A-0B4D-885F-2DC3A4B89818}"/>
+                  </a:ext>
+                </a:extLst>
+              </p:cNvPr>
+              <p:cNvSpPr/>
+              <p:nvPr/>
+            </p:nvSpPr>
+            <p:spPr>
+              <a:xfrm rot="3088366">
+                <a:off x="7979750" y="364960"/>
+                <a:ext cx="76725" cy="346730"/>
+              </a:xfrm>
+              <a:prstGeom prst="roundRect">
+                <a:avLst/>
+              </a:prstGeom>
+              <a:noFill/>
+              <a:ln w="28575">
+                <a:solidFill>
+                  <a:srgbClr val="00B050"/>
+                </a:solidFill>
+              </a:ln>
+            </p:spPr>
+            <p:style>
+              <a:lnRef idx="2">
+                <a:schemeClr val="accent1">
+                  <a:shade val="50000"/>
+                </a:schemeClr>
+              </a:lnRef>
+              <a:fillRef idx="1">
+                <a:schemeClr val="accent1"/>
+              </a:fillRef>
+              <a:effectRef idx="0">
+                <a:schemeClr val="accent1"/>
+              </a:effectRef>
+              <a:fontRef idx="minor">
+                <a:schemeClr val="lt1"/>
+              </a:fontRef>
+            </p:style>
+            <p:txBody>
+              <a:bodyPr rtlCol="0" anchor="ctr"/>
+              <a:lstStyle/>
+              <a:p>
+                <a:pPr algn="ctr"/>
+                <a:endParaRPr lang="en-US"/>
+              </a:p>
+            </p:txBody>
+          </p:sp>
+          <p:sp>
+            <p:nvSpPr>
+              <p:cNvPr id="43" name="TextBox 42">
+                <a:extLst>
+                  <a:ext uri="{FF2B5EF4-FFF2-40B4-BE49-F238E27FC236}">
+                    <a16:creationId xmlns:a16="http://schemas.microsoft.com/office/drawing/2014/main" id="{39A27071-2895-8E4A-A428-54407B19640B}"/>
+                  </a:ext>
+                </a:extLst>
+              </p:cNvPr>
+              <p:cNvSpPr txBox="1"/>
+              <p:nvPr/>
+            </p:nvSpPr>
+            <p:spPr>
+              <a:xfrm>
+                <a:off x="7155271" y="743439"/>
+                <a:ext cx="394660" cy="230832"/>
+              </a:xfrm>
+              <a:prstGeom prst="rect">
+                <a:avLst/>
+              </a:prstGeom>
+              <a:noFill/>
+            </p:spPr>
+            <p:txBody>
+              <a:bodyPr wrap="square" rtlCol="0">
+                <a:spAutoFit/>
+              </a:bodyPr>
+              <a:lstStyle/>
+              <a:p>
+                <a:r>
+                  <a:rPr lang="en-US" sz="900" dirty="0">
+                    <a:latin typeface="Avenir Book" panose="02000503020000020003" pitchFamily="2" charset="0"/>
+                  </a:rPr>
+                  <a:t>ATP</a:t>
+                </a:r>
+              </a:p>
+            </p:txBody>
+          </p:sp>
+        </p:grpSp>
+        <p:sp>
+          <p:nvSpPr>
+            <p:cNvPr id="37" name="Rectangle 36">
+              <a:extLst>
+                <a:ext uri="{FF2B5EF4-FFF2-40B4-BE49-F238E27FC236}">
+                  <a16:creationId xmlns:a16="http://schemas.microsoft.com/office/drawing/2014/main" id="{955A115F-29AC-1F42-948F-9C9505063FD7}"/>
+                </a:ext>
+              </a:extLst>
+            </p:cNvPr>
+            <p:cNvSpPr/>
+            <p:nvPr/>
+          </p:nvSpPr>
+          <p:spPr>
+            <a:xfrm rot="21157354">
+              <a:off x="9041355" y="1456083"/>
+              <a:ext cx="2732926" cy="285108"/>
+            </a:xfrm>
+            <a:prstGeom prst="rect">
+              <a:avLst/>
+            </a:prstGeom>
+            <a:solidFill>
+              <a:schemeClr val="bg1"/>
+            </a:solidFill>
+            <a:ln>
+              <a:solidFill>
+                <a:schemeClr val="bg1"/>
+              </a:solidFill>
+            </a:ln>
+          </p:spPr>
+          <p:style>
+            <a:lnRef idx="2">
+              <a:schemeClr val="accent1">
+                <a:shade val="50000"/>
+              </a:schemeClr>
+            </a:lnRef>
+            <a:fillRef idx="1">
+              <a:schemeClr val="accent1"/>
+            </a:fillRef>
+            <a:effectRef idx="0">
+              <a:schemeClr val="accent1"/>
+            </a:effectRef>
+            <a:fontRef idx="minor">
+              <a:schemeClr val="lt1"/>
+            </a:fontRef>
+          </p:style>
+          <p:txBody>
+            <a:bodyPr rtlCol="0" anchor="ctr"/>
+            <a:lstStyle/>
+            <a:p>
+              <a:pPr algn="ctr"/>
+              <a:endParaRPr lang="en-US"/>
+            </a:p>
+          </p:txBody>
+        </p:sp>
+        <p:sp>
+          <p:nvSpPr>
+            <p:cNvPr id="38" name="Rectangle 37">
+              <a:extLst>
+                <a:ext uri="{FF2B5EF4-FFF2-40B4-BE49-F238E27FC236}">
+                  <a16:creationId xmlns:a16="http://schemas.microsoft.com/office/drawing/2014/main" id="{77819FB5-B4F8-2843-BBB6-BF4B83B9A5FE}"/>
+                </a:ext>
+              </a:extLst>
+            </p:cNvPr>
+            <p:cNvSpPr/>
+            <p:nvPr/>
+          </p:nvSpPr>
+          <p:spPr>
+            <a:xfrm rot="21157354">
+              <a:off x="11039419" y="1489494"/>
+              <a:ext cx="878357" cy="265977"/>
+            </a:xfrm>
+            <a:prstGeom prst="rect">
+              <a:avLst/>
+            </a:prstGeom>
+            <a:solidFill>
+              <a:schemeClr val="bg1"/>
+            </a:solidFill>
+            <a:ln>
+              <a:solidFill>
+                <a:schemeClr val="bg1"/>
+              </a:solidFill>
+            </a:ln>
+          </p:spPr>
+          <p:style>
+            <a:lnRef idx="2">
+              <a:schemeClr val="accent1">
+                <a:shade val="50000"/>
+              </a:schemeClr>
+            </a:lnRef>
+            <a:fillRef idx="1">
+              <a:schemeClr val="accent1"/>
+            </a:fillRef>
+            <a:effectRef idx="0">
+              <a:schemeClr val="accent1"/>
+            </a:effectRef>
+            <a:fontRef idx="minor">
+              <a:schemeClr val="lt1"/>
+            </a:fontRef>
+          </p:style>
+          <p:txBody>
+            <a:bodyPr rtlCol="0" anchor="ctr"/>
+            <a:lstStyle/>
+            <a:p>
+              <a:pPr algn="ctr"/>
+              <a:endParaRPr lang="en-US"/>
+            </a:p>
+          </p:txBody>
+        </p:sp>
+      </p:grpSp>
     </p:spTree>
     <p:extLst>
       <p:ext uri="{BB962C8B-B14F-4D97-AF65-F5344CB8AC3E}">
@@ -20712,10 +21691,14 @@
           <a:lstStyle/>
           <a:p>
             <a:r>
-              <a:rPr lang="en" sz="2267"/>
+              <a:rPr lang="en" sz="2267" dirty="0">
+                <a:latin typeface="Avenir Book" panose="02000503020000020003" pitchFamily="2" charset="0"/>
+              </a:rPr>
               <a:t>Bioscrape</a:t>
             </a:r>
-            <a:endParaRPr sz="2267"/>
+            <a:endParaRPr sz="2267" dirty="0">
+              <a:latin typeface="Avenir Book" panose="02000503020000020003" pitchFamily="2" charset="0"/>
+            </a:endParaRPr>
           </a:p>
         </p:txBody>
       </p:sp>

--- a/miscellaneous/presentations/20200819_buildacell.pptx
+++ b/miscellaneous/presentations/20200819_buildacell.pptx
@@ -3354,7 +3354,7 @@
           <a:p>
             <a:fld id="{15807AF6-FE89-B241-BD21-E9B2C3AA3938}" type="datetimeFigureOut">
               <a:rPr lang="en-US" smtClean="0"/>
-              <a:t>8/20/20</a:t>
+              <a:t>8/21/20</a:t>
             </a:fld>
             <a:endParaRPr lang="en-US"/>
           </a:p>
@@ -3665,7 +3665,10 @@
           <a:bodyPr/>
           <a:lstStyle/>
           <a:p>
-            <a:endParaRPr lang="en-US" dirty="0"/>
+            <a:r>
+              <a:rPr lang="en-US" dirty="0"/>
+              <a:t>Hi I’m Ankita! Undergraduate at Caltech. I’ve been working on modelling of mechanisms for ATP life extension in synthetic cells this summer with Richard Murray Lab. I’m here to learn and contribute in any way I can</a:t>
+            </a:r>
           </a:p>
         </p:txBody>
       </p:sp>
